--- a/nercmap/citymap.pptx
+++ b/nercmap/citymap.pptx
@@ -263,7 +263,7 @@
           <a:p>
             <a:fld id="{4F9E8FCA-B87D-D642-AB84-528D41178B7E}" type="datetimeFigureOut">
               <a:rPr lang="en-US" smtClean="0"/>
-              <a:t>6/22/19</a:t>
+              <a:t>6/26/19</a:t>
             </a:fld>
             <a:endParaRPr lang="en-US"/>
           </a:p>
@@ -461,7 +461,7 @@
           <a:p>
             <a:fld id="{4F9E8FCA-B87D-D642-AB84-528D41178B7E}" type="datetimeFigureOut">
               <a:rPr lang="en-US" smtClean="0"/>
-              <a:t>6/22/19</a:t>
+              <a:t>6/26/19</a:t>
             </a:fld>
             <a:endParaRPr lang="en-US"/>
           </a:p>
@@ -669,7 +669,7 @@
           <a:p>
             <a:fld id="{4F9E8FCA-B87D-D642-AB84-528D41178B7E}" type="datetimeFigureOut">
               <a:rPr lang="en-US" smtClean="0"/>
-              <a:t>6/22/19</a:t>
+              <a:t>6/26/19</a:t>
             </a:fld>
             <a:endParaRPr lang="en-US"/>
           </a:p>
@@ -867,7 +867,7 @@
           <a:p>
             <a:fld id="{4F9E8FCA-B87D-D642-AB84-528D41178B7E}" type="datetimeFigureOut">
               <a:rPr lang="en-US" smtClean="0"/>
-              <a:t>6/22/19</a:t>
+              <a:t>6/26/19</a:t>
             </a:fld>
             <a:endParaRPr lang="en-US"/>
           </a:p>
@@ -1142,7 +1142,7 @@
           <a:p>
             <a:fld id="{4F9E8FCA-B87D-D642-AB84-528D41178B7E}" type="datetimeFigureOut">
               <a:rPr lang="en-US" smtClean="0"/>
-              <a:t>6/22/19</a:t>
+              <a:t>6/26/19</a:t>
             </a:fld>
             <a:endParaRPr lang="en-US"/>
           </a:p>
@@ -1407,7 +1407,7 @@
           <a:p>
             <a:fld id="{4F9E8FCA-B87D-D642-AB84-528D41178B7E}" type="datetimeFigureOut">
               <a:rPr lang="en-US" smtClean="0"/>
-              <a:t>6/22/19</a:t>
+              <a:t>6/26/19</a:t>
             </a:fld>
             <a:endParaRPr lang="en-US"/>
           </a:p>
@@ -1819,7 +1819,7 @@
           <a:p>
             <a:fld id="{4F9E8FCA-B87D-D642-AB84-528D41178B7E}" type="datetimeFigureOut">
               <a:rPr lang="en-US" smtClean="0"/>
-              <a:t>6/22/19</a:t>
+              <a:t>6/26/19</a:t>
             </a:fld>
             <a:endParaRPr lang="en-US"/>
           </a:p>
@@ -1960,7 +1960,7 @@
           <a:p>
             <a:fld id="{4F9E8FCA-B87D-D642-AB84-528D41178B7E}" type="datetimeFigureOut">
               <a:rPr lang="en-US" smtClean="0"/>
-              <a:t>6/22/19</a:t>
+              <a:t>6/26/19</a:t>
             </a:fld>
             <a:endParaRPr lang="en-US"/>
           </a:p>
@@ -2073,7 +2073,7 @@
           <a:p>
             <a:fld id="{4F9E8FCA-B87D-D642-AB84-528D41178B7E}" type="datetimeFigureOut">
               <a:rPr lang="en-US" smtClean="0"/>
-              <a:t>6/22/19</a:t>
+              <a:t>6/26/19</a:t>
             </a:fld>
             <a:endParaRPr lang="en-US"/>
           </a:p>
@@ -2384,7 +2384,7 @@
           <a:p>
             <a:fld id="{4F9E8FCA-B87D-D642-AB84-528D41178B7E}" type="datetimeFigureOut">
               <a:rPr lang="en-US" smtClean="0"/>
-              <a:t>6/22/19</a:t>
+              <a:t>6/26/19</a:t>
             </a:fld>
             <a:endParaRPr lang="en-US"/>
           </a:p>
@@ -2672,7 +2672,7 @@
           <a:p>
             <a:fld id="{4F9E8FCA-B87D-D642-AB84-528D41178B7E}" type="datetimeFigureOut">
               <a:rPr lang="en-US" smtClean="0"/>
-              <a:t>6/22/19</a:t>
+              <a:t>6/26/19</a:t>
             </a:fld>
             <a:endParaRPr lang="en-US"/>
           </a:p>
@@ -2913,7 +2913,7 @@
           <a:p>
             <a:fld id="{4F9E8FCA-B87D-D642-AB84-528D41178B7E}" type="datetimeFigureOut">
               <a:rPr lang="en-US" smtClean="0"/>
-              <a:t>6/22/19</a:t>
+              <a:t>6/26/19</a:t>
             </a:fld>
             <a:endParaRPr lang="en-US"/>
           </a:p>
@@ -7349,7 +7349,7 @@
                   <a:schemeClr val="tx1"/>
                 </a:solidFill>
               </a:rPr>
-              <a:t>ITH</a:t>
+              <a:t>SYR</a:t>
             </a:r>
           </a:p>
         </p:txBody>
@@ -8276,6 +8276,65 @@
           </a:p>
         </p:txBody>
       </p:sp>
+      <p:sp>
+        <p:nvSpPr>
+          <p:cNvPr id="100" name="Oval 99">
+            <a:extLst>
+              <a:ext uri="{FF2B5EF4-FFF2-40B4-BE49-F238E27FC236}">
+                <a16:creationId xmlns:a16="http://schemas.microsoft.com/office/drawing/2014/main" id="{C71D52B9-79BA-6645-8C18-8B2C2B17FA89}"/>
+              </a:ext>
+            </a:extLst>
+          </p:cNvPr>
+          <p:cNvSpPr/>
+          <p:nvPr/>
+        </p:nvSpPr>
+        <p:spPr>
+          <a:xfrm>
+            <a:off x="8391837" y="2457767"/>
+            <a:ext cx="90237" cy="90238"/>
+          </a:xfrm>
+          <a:prstGeom prst="ellipse">
+            <a:avLst/>
+          </a:prstGeom>
+          <a:solidFill>
+            <a:srgbClr val="92D050"/>
+          </a:solidFill>
+          <a:ln>
+            <a:noFill/>
+          </a:ln>
+        </p:spPr>
+        <p:style>
+          <a:lnRef idx="2">
+            <a:schemeClr val="dk1">
+              <a:shade val="50000"/>
+            </a:schemeClr>
+          </a:lnRef>
+          <a:fillRef idx="1">
+            <a:schemeClr val="dk1"/>
+          </a:fillRef>
+          <a:effectRef idx="0">
+            <a:schemeClr val="dk1"/>
+          </a:effectRef>
+          <a:fontRef idx="minor">
+            <a:schemeClr val="lt1"/>
+          </a:fontRef>
+        </p:style>
+        <p:txBody>
+          <a:bodyPr wrap="none" rtlCol="0" anchor="b" anchorCtr="0"/>
+          <a:lstStyle/>
+          <a:p>
+            <a:pPr algn="r" fontAlgn="ctr"/>
+            <a:r>
+              <a:rPr lang="en-US" sz="1050" dirty="0">
+                <a:solidFill>
+                  <a:schemeClr val="tx1"/>
+                </a:solidFill>
+              </a:rPr>
+              <a:t>YYZ</a:t>
+            </a:r>
+          </a:p>
+        </p:txBody>
+      </p:sp>
     </p:spTree>
     <p:extLst>
       <p:ext uri="{BB962C8B-B14F-4D97-AF65-F5344CB8AC3E}">
@@ -12374,7 +12433,7 @@
                     <a:schemeClr val="tx1"/>
                   </a:solidFill>
                 </a:rPr>
-                <a:t>ITH</a:t>
+                <a:t>SYR</a:t>
               </a:r>
             </a:p>
           </p:txBody>
@@ -14122,6 +14181,65 @@
           </a:p>
         </p:txBody>
       </p:sp>
+      <p:sp>
+        <p:nvSpPr>
+          <p:cNvPr id="103" name="Oval 102">
+            <a:extLst>
+              <a:ext uri="{FF2B5EF4-FFF2-40B4-BE49-F238E27FC236}">
+                <a16:creationId xmlns:a16="http://schemas.microsoft.com/office/drawing/2014/main" id="{5016204B-A2DB-F741-92E6-BBAB40BEF0F1}"/>
+              </a:ext>
+            </a:extLst>
+          </p:cNvPr>
+          <p:cNvSpPr/>
+          <p:nvPr/>
+        </p:nvSpPr>
+        <p:spPr>
+          <a:xfrm>
+            <a:off x="6198216" y="4884940"/>
+            <a:ext cx="180529" cy="180531"/>
+          </a:xfrm>
+          <a:prstGeom prst="ellipse">
+            <a:avLst/>
+          </a:prstGeom>
+          <a:solidFill>
+            <a:srgbClr val="92D050"/>
+          </a:solidFill>
+          <a:ln>
+            <a:noFill/>
+          </a:ln>
+        </p:spPr>
+        <p:style>
+          <a:lnRef idx="2">
+            <a:schemeClr val="dk1">
+              <a:shade val="50000"/>
+            </a:schemeClr>
+          </a:lnRef>
+          <a:fillRef idx="1">
+            <a:schemeClr val="dk1"/>
+          </a:fillRef>
+          <a:effectRef idx="0">
+            <a:schemeClr val="dk1"/>
+          </a:effectRef>
+          <a:fontRef idx="minor">
+            <a:schemeClr val="lt1"/>
+          </a:fontRef>
+        </p:style>
+        <p:txBody>
+          <a:bodyPr wrap="none" rtlCol="0" anchor="b" anchorCtr="0"/>
+          <a:lstStyle/>
+          <a:p>
+            <a:pPr algn="r" fontAlgn="ctr"/>
+            <a:r>
+              <a:rPr lang="en-US" sz="1050" dirty="0">
+                <a:solidFill>
+                  <a:schemeClr val="tx1"/>
+                </a:solidFill>
+              </a:rPr>
+              <a:t>YYZ</a:t>
+            </a:r>
+          </a:p>
+        </p:txBody>
+      </p:sp>
     </p:spTree>
     <p:extLst>
       <p:ext uri="{BB962C8B-B14F-4D97-AF65-F5344CB8AC3E}">
@@ -18220,7 +18338,7 @@
                     <a:schemeClr val="tx1"/>
                   </a:solidFill>
                 </a:rPr>
-                <a:t>ITH</a:t>
+                <a:t>SYR</a:t>
               </a:r>
             </a:p>
           </p:txBody>
@@ -18734,6 +18852,65 @@
           </a:prstGeom>
         </p:spPr>
       </p:pic>
+      <p:sp>
+        <p:nvSpPr>
+          <p:cNvPr id="93" name="Oval 92">
+            <a:extLst>
+              <a:ext uri="{FF2B5EF4-FFF2-40B4-BE49-F238E27FC236}">
+                <a16:creationId xmlns:a16="http://schemas.microsoft.com/office/drawing/2014/main" id="{D0CF5247-EFB3-3949-BD32-DAF797C2B46B}"/>
+              </a:ext>
+            </a:extLst>
+          </p:cNvPr>
+          <p:cNvSpPr/>
+          <p:nvPr/>
+        </p:nvSpPr>
+        <p:spPr>
+          <a:xfrm>
+            <a:off x="7365482" y="1682396"/>
+            <a:ext cx="267119" cy="267122"/>
+          </a:xfrm>
+          <a:prstGeom prst="ellipse">
+            <a:avLst/>
+          </a:prstGeom>
+          <a:solidFill>
+            <a:srgbClr val="92D050"/>
+          </a:solidFill>
+          <a:ln>
+            <a:noFill/>
+          </a:ln>
+        </p:spPr>
+        <p:style>
+          <a:lnRef idx="2">
+            <a:schemeClr val="dk1">
+              <a:shade val="50000"/>
+            </a:schemeClr>
+          </a:lnRef>
+          <a:fillRef idx="1">
+            <a:schemeClr val="dk1"/>
+          </a:fillRef>
+          <a:effectRef idx="0">
+            <a:schemeClr val="dk1"/>
+          </a:effectRef>
+          <a:fontRef idx="minor">
+            <a:schemeClr val="lt1"/>
+          </a:fontRef>
+        </p:style>
+        <p:txBody>
+          <a:bodyPr wrap="none" rtlCol="0" anchor="t" anchorCtr="0"/>
+          <a:lstStyle/>
+          <a:p>
+            <a:pPr fontAlgn="ctr"/>
+            <a:r>
+              <a:rPr lang="en-US" sz="1050" dirty="0">
+                <a:solidFill>
+                  <a:schemeClr val="tx1"/>
+                </a:solidFill>
+              </a:rPr>
+              <a:t>YYZ</a:t>
+            </a:r>
+          </a:p>
+        </p:txBody>
+      </p:sp>
     </p:spTree>
     <p:extLst>
       <p:ext uri="{BB962C8B-B14F-4D97-AF65-F5344CB8AC3E}">
@@ -28381,7 +28558,7 @@
                     <a:schemeClr val="tx1"/>
                   </a:solidFill>
                 </a:rPr>
-                <a:t>ITH</a:t>
+                <a:t>SYR</a:t>
               </a:r>
             </a:p>
           </p:txBody>
@@ -29190,6 +29367,65 @@
           </a:p>
         </p:txBody>
       </p:sp>
+      <p:sp>
+        <p:nvSpPr>
+          <p:cNvPr id="98" name="Oval 97">
+            <a:extLst>
+              <a:ext uri="{FF2B5EF4-FFF2-40B4-BE49-F238E27FC236}">
+                <a16:creationId xmlns:a16="http://schemas.microsoft.com/office/drawing/2014/main" id="{08B0A4C0-8121-954A-BA96-7E51BD74B098}"/>
+              </a:ext>
+            </a:extLst>
+          </p:cNvPr>
+          <p:cNvSpPr/>
+          <p:nvPr/>
+        </p:nvSpPr>
+        <p:spPr>
+          <a:xfrm>
+            <a:off x="11282230" y="2514159"/>
+            <a:ext cx="124836" cy="124838"/>
+          </a:xfrm>
+          <a:prstGeom prst="ellipse">
+            <a:avLst/>
+          </a:prstGeom>
+          <a:solidFill>
+            <a:srgbClr val="92D050"/>
+          </a:solidFill>
+          <a:ln>
+            <a:noFill/>
+          </a:ln>
+        </p:spPr>
+        <p:style>
+          <a:lnRef idx="2">
+            <a:schemeClr val="dk1">
+              <a:shade val="50000"/>
+            </a:schemeClr>
+          </a:lnRef>
+          <a:fillRef idx="1">
+            <a:schemeClr val="dk1"/>
+          </a:fillRef>
+          <a:effectRef idx="0">
+            <a:schemeClr val="dk1"/>
+          </a:effectRef>
+          <a:fontRef idx="minor">
+            <a:schemeClr val="lt1"/>
+          </a:fontRef>
+        </p:style>
+        <p:txBody>
+          <a:bodyPr wrap="none" rtlCol="0" anchor="b" anchorCtr="0"/>
+          <a:lstStyle/>
+          <a:p>
+            <a:pPr algn="r" fontAlgn="ctr"/>
+            <a:r>
+              <a:rPr lang="en-US" sz="1050" dirty="0">
+                <a:solidFill>
+                  <a:schemeClr val="tx1"/>
+                </a:solidFill>
+              </a:rPr>
+              <a:t>YYZ</a:t>
+            </a:r>
+          </a:p>
+        </p:txBody>
+      </p:sp>
     </p:spTree>
     <p:extLst>
       <p:ext uri="{BB962C8B-B14F-4D97-AF65-F5344CB8AC3E}">

--- a/nercmap/citymap.pptx
+++ b/nercmap/citymap.pptx
@@ -8290,7 +8290,7 @@
         </p:nvSpPr>
         <p:spPr>
           <a:xfrm>
-            <a:off x="8391837" y="2457767"/>
+            <a:off x="8193945" y="2547410"/>
             <a:ext cx="90237" cy="90238"/>
           </a:xfrm>
           <a:prstGeom prst="ellipse">
@@ -14195,7 +14195,7 @@
         </p:nvSpPr>
         <p:spPr>
           <a:xfrm>
-            <a:off x="6198216" y="4884940"/>
+            <a:off x="5891048" y="5136281"/>
             <a:ext cx="180529" cy="180531"/>
           </a:xfrm>
           <a:prstGeom prst="ellipse">
@@ -18866,7 +18866,7 @@
         </p:nvSpPr>
         <p:spPr>
           <a:xfrm>
-            <a:off x="7365482" y="1682396"/>
+            <a:off x="6825975" y="1963096"/>
             <a:ext cx="267119" cy="267122"/>
           </a:xfrm>
           <a:prstGeom prst="ellipse">
@@ -29381,7 +29381,7 @@
         </p:nvSpPr>
         <p:spPr>
           <a:xfrm>
-            <a:off x="11282230" y="2514159"/>
+            <a:off x="11014342" y="2666833"/>
             <a:ext cx="124836" cy="124838"/>
           </a:xfrm>
           <a:prstGeom prst="ellipse">

--- a/nercmap/citymap.pptx
+++ b/nercmap/citymap.pptx
@@ -10139,1163 +10139,6 @@
           </a:p>
         </p:txBody>
       </p:sp>
-      <p:grpSp>
-        <p:nvGrpSpPr>
-          <p:cNvPr id="99" name="Group 98">
-            <a:extLst>
-              <a:ext uri="{FF2B5EF4-FFF2-40B4-BE49-F238E27FC236}">
-                <a16:creationId xmlns:a16="http://schemas.microsoft.com/office/drawing/2014/main" id="{ECF2AD71-D095-7645-B1EB-4B7AF097F551}"/>
-              </a:ext>
-            </a:extLst>
-          </p:cNvPr>
-          <p:cNvGrpSpPr/>
-          <p:nvPr/>
-        </p:nvGrpSpPr>
-        <p:grpSpPr>
-          <a:xfrm>
-            <a:off x="5314682" y="3062379"/>
-            <a:ext cx="4996200" cy="3774157"/>
-            <a:chOff x="5314682" y="3062379"/>
-            <a:chExt cx="4996200" cy="3774157"/>
-          </a:xfrm>
-        </p:grpSpPr>
-        <p:sp>
-          <p:nvSpPr>
-            <p:cNvPr id="3" name="Freeform 2">
-              <a:extLst>
-                <a:ext uri="{FF2B5EF4-FFF2-40B4-BE49-F238E27FC236}">
-                  <a16:creationId xmlns:a16="http://schemas.microsoft.com/office/drawing/2014/main" id="{A93C205A-2697-BF4E-8D37-1C1EF4163C59}"/>
-                </a:ext>
-              </a:extLst>
-            </p:cNvPr>
-            <p:cNvSpPr/>
-            <p:nvPr/>
-          </p:nvSpPr>
-          <p:spPr>
-            <a:xfrm>
-              <a:off x="5314682" y="4919730"/>
-              <a:ext cx="1820214" cy="403947"/>
-            </a:xfrm>
-            <a:custGeom>
-              <a:avLst/>
-              <a:gdLst>
-                <a:gd name="connsiteX0" fmla="*/ 39033 w 2151168"/>
-                <a:gd name="connsiteY0" fmla="*/ 669701 h 669701"/>
-                <a:gd name="connsiteX1" fmla="*/ 283731 w 2151168"/>
-                <a:gd name="connsiteY1" fmla="*/ 399245 h 669701"/>
-                <a:gd name="connsiteX2" fmla="*/ 2151168 w 2151168"/>
-                <a:gd name="connsiteY2" fmla="*/ 0 h 669701"/>
-                <a:gd name="connsiteX0" fmla="*/ 7232 w 2119367"/>
-                <a:gd name="connsiteY0" fmla="*/ 669701 h 669701"/>
-                <a:gd name="connsiteX1" fmla="*/ 556730 w 2119367"/>
-                <a:gd name="connsiteY1" fmla="*/ 326674 h 669701"/>
-                <a:gd name="connsiteX2" fmla="*/ 2119367 w 2119367"/>
-                <a:gd name="connsiteY2" fmla="*/ 0 h 669701"/>
-                <a:gd name="connsiteX0" fmla="*/ 0 w 2112135"/>
-                <a:gd name="connsiteY0" fmla="*/ 669701 h 669701"/>
-                <a:gd name="connsiteX1" fmla="*/ 549498 w 2112135"/>
-                <a:gd name="connsiteY1" fmla="*/ 326674 h 669701"/>
-                <a:gd name="connsiteX2" fmla="*/ 2112135 w 2112135"/>
-                <a:gd name="connsiteY2" fmla="*/ 0 h 669701"/>
-                <a:gd name="connsiteX0" fmla="*/ 0 w 2112135"/>
-                <a:gd name="connsiteY0" fmla="*/ 669701 h 669701"/>
-                <a:gd name="connsiteX1" fmla="*/ 549498 w 2112135"/>
-                <a:gd name="connsiteY1" fmla="*/ 326674 h 669701"/>
-                <a:gd name="connsiteX2" fmla="*/ 2112135 w 2112135"/>
-                <a:gd name="connsiteY2" fmla="*/ 0 h 669701"/>
-                <a:gd name="connsiteX0" fmla="*/ 0 w 1562637"/>
-                <a:gd name="connsiteY0" fmla="*/ 326674 h 326674"/>
-                <a:gd name="connsiteX1" fmla="*/ 1562637 w 1562637"/>
-                <a:gd name="connsiteY1" fmla="*/ 0 h 326674"/>
-                <a:gd name="connsiteX0" fmla="*/ 0 w 1820214"/>
-                <a:gd name="connsiteY0" fmla="*/ 403947 h 403947"/>
-                <a:gd name="connsiteX1" fmla="*/ 1820214 w 1820214"/>
-                <a:gd name="connsiteY1" fmla="*/ 0 h 403947"/>
-              </a:gdLst>
-              <a:ahLst/>
-              <a:cxnLst>
-                <a:cxn ang="0">
-                  <a:pos x="connsiteX0" y="connsiteY0"/>
-                </a:cxn>
-                <a:cxn ang="0">
-                  <a:pos x="connsiteX1" y="connsiteY1"/>
-                </a:cxn>
-              </a:cxnLst>
-              <a:rect l="l" t="t" r="r" b="b"/>
-              <a:pathLst>
-                <a:path w="1820214" h="403947">
-                  <a:moveTo>
-                    <a:pt x="0" y="403947"/>
-                  </a:moveTo>
-                  <a:cubicBezTo>
-                    <a:pt x="352022" y="292330"/>
-                    <a:pt x="1062506" y="143814"/>
-                    <a:pt x="1820214" y="0"/>
-                  </a:cubicBezTo>
-                </a:path>
-              </a:pathLst>
-            </a:custGeom>
-            <a:noFill/>
-            <a:ln w="50800">
-              <a:solidFill>
-                <a:srgbClr val="00B050"/>
-              </a:solidFill>
-            </a:ln>
-          </p:spPr>
-          <p:style>
-            <a:lnRef idx="2">
-              <a:schemeClr val="accent1">
-                <a:shade val="50000"/>
-              </a:schemeClr>
-            </a:lnRef>
-            <a:fillRef idx="1">
-              <a:schemeClr val="accent1"/>
-            </a:fillRef>
-            <a:effectRef idx="0">
-              <a:schemeClr val="accent1"/>
-            </a:effectRef>
-            <a:fontRef idx="minor">
-              <a:schemeClr val="lt1"/>
-            </a:fontRef>
-          </p:style>
-          <p:txBody>
-            <a:bodyPr rtlCol="0" anchor="ctr"/>
-            <a:lstStyle/>
-            <a:p>
-              <a:pPr algn="ctr"/>
-              <a:endParaRPr lang="en-US" dirty="0"/>
-            </a:p>
-          </p:txBody>
-        </p:sp>
-        <p:sp>
-          <p:nvSpPr>
-            <p:cNvPr id="4" name="Freeform 3">
-              <a:extLst>
-                <a:ext uri="{FF2B5EF4-FFF2-40B4-BE49-F238E27FC236}">
-                  <a16:creationId xmlns:a16="http://schemas.microsoft.com/office/drawing/2014/main" id="{A8B178C9-D466-8648-A32E-7F80A61D5642}"/>
-                </a:ext>
-              </a:extLst>
-            </p:cNvPr>
-            <p:cNvSpPr/>
-            <p:nvPr/>
-          </p:nvSpPr>
-          <p:spPr>
-            <a:xfrm>
-              <a:off x="6023429" y="4876799"/>
-              <a:ext cx="1558328" cy="1002565"/>
-            </a:xfrm>
-            <a:custGeom>
-              <a:avLst/>
-              <a:gdLst>
-                <a:gd name="connsiteX0" fmla="*/ 1218440 w 1644654"/>
-                <a:gd name="connsiteY0" fmla="*/ 0 h 1633138"/>
-                <a:gd name="connsiteX1" fmla="*/ 1639354 w 1644654"/>
-                <a:gd name="connsiteY1" fmla="*/ 624114 h 1633138"/>
-                <a:gd name="connsiteX2" fmla="*/ 957183 w 1644654"/>
-                <a:gd name="connsiteY2" fmla="*/ 986971 h 1633138"/>
-                <a:gd name="connsiteX3" fmla="*/ 86326 w 1644654"/>
-                <a:gd name="connsiteY3" fmla="*/ 1001486 h 1633138"/>
-                <a:gd name="connsiteX4" fmla="*/ 115354 w 1644654"/>
-                <a:gd name="connsiteY4" fmla="*/ 1625600 h 1633138"/>
-                <a:gd name="connsiteX5" fmla="*/ 826554 w 1644654"/>
-                <a:gd name="connsiteY5" fmla="*/ 1349829 h 1633138"/>
-                <a:gd name="connsiteX6" fmla="*/ 1523240 w 1644654"/>
-                <a:gd name="connsiteY6" fmla="*/ 1393371 h 1633138"/>
-                <a:gd name="connsiteX7" fmla="*/ 1523240 w 1644654"/>
-                <a:gd name="connsiteY7" fmla="*/ 1393371 h 1633138"/>
-                <a:gd name="connsiteX0" fmla="*/ 1218440 w 2045754"/>
-                <a:gd name="connsiteY0" fmla="*/ 0 h 2191657"/>
-                <a:gd name="connsiteX1" fmla="*/ 1639354 w 2045754"/>
-                <a:gd name="connsiteY1" fmla="*/ 624114 h 2191657"/>
-                <a:gd name="connsiteX2" fmla="*/ 957183 w 2045754"/>
-                <a:gd name="connsiteY2" fmla="*/ 986971 h 2191657"/>
-                <a:gd name="connsiteX3" fmla="*/ 86326 w 2045754"/>
-                <a:gd name="connsiteY3" fmla="*/ 1001486 h 2191657"/>
-                <a:gd name="connsiteX4" fmla="*/ 115354 w 2045754"/>
-                <a:gd name="connsiteY4" fmla="*/ 1625600 h 2191657"/>
-                <a:gd name="connsiteX5" fmla="*/ 826554 w 2045754"/>
-                <a:gd name="connsiteY5" fmla="*/ 1349829 h 2191657"/>
-                <a:gd name="connsiteX6" fmla="*/ 1523240 w 2045754"/>
-                <a:gd name="connsiteY6" fmla="*/ 1393371 h 2191657"/>
-                <a:gd name="connsiteX7" fmla="*/ 2045754 w 2045754"/>
-                <a:gd name="connsiteY7" fmla="*/ 2191657 h 2191657"/>
-                <a:gd name="connsiteX0" fmla="*/ 1218440 w 1644654"/>
-                <a:gd name="connsiteY0" fmla="*/ 0 h 1633138"/>
-                <a:gd name="connsiteX1" fmla="*/ 1639354 w 1644654"/>
-                <a:gd name="connsiteY1" fmla="*/ 624114 h 1633138"/>
-                <a:gd name="connsiteX2" fmla="*/ 957183 w 1644654"/>
-                <a:gd name="connsiteY2" fmla="*/ 986971 h 1633138"/>
-                <a:gd name="connsiteX3" fmla="*/ 86326 w 1644654"/>
-                <a:gd name="connsiteY3" fmla="*/ 1001486 h 1633138"/>
-                <a:gd name="connsiteX4" fmla="*/ 115354 w 1644654"/>
-                <a:gd name="connsiteY4" fmla="*/ 1625600 h 1633138"/>
-                <a:gd name="connsiteX5" fmla="*/ 826554 w 1644654"/>
-                <a:gd name="connsiteY5" fmla="*/ 1349829 h 1633138"/>
-                <a:gd name="connsiteX6" fmla="*/ 1523240 w 1644654"/>
-                <a:gd name="connsiteY6" fmla="*/ 1393371 h 1633138"/>
-                <a:gd name="connsiteX0" fmla="*/ 1218440 w 1644654"/>
-                <a:gd name="connsiteY0" fmla="*/ 0 h 1633138"/>
-                <a:gd name="connsiteX1" fmla="*/ 1639354 w 1644654"/>
-                <a:gd name="connsiteY1" fmla="*/ 624114 h 1633138"/>
-                <a:gd name="connsiteX2" fmla="*/ 957183 w 1644654"/>
-                <a:gd name="connsiteY2" fmla="*/ 986971 h 1633138"/>
-                <a:gd name="connsiteX3" fmla="*/ 86326 w 1644654"/>
-                <a:gd name="connsiteY3" fmla="*/ 1001486 h 1633138"/>
-                <a:gd name="connsiteX4" fmla="*/ 115354 w 1644654"/>
-                <a:gd name="connsiteY4" fmla="*/ 1625600 h 1633138"/>
-                <a:gd name="connsiteX5" fmla="*/ 826554 w 1644654"/>
-                <a:gd name="connsiteY5" fmla="*/ 1349829 h 1633138"/>
-                <a:gd name="connsiteX0" fmla="*/ 1218440 w 1644654"/>
-                <a:gd name="connsiteY0" fmla="*/ 0 h 1625600"/>
-                <a:gd name="connsiteX1" fmla="*/ 1639354 w 1644654"/>
-                <a:gd name="connsiteY1" fmla="*/ 624114 h 1625600"/>
-                <a:gd name="connsiteX2" fmla="*/ 957183 w 1644654"/>
-                <a:gd name="connsiteY2" fmla="*/ 986971 h 1625600"/>
-                <a:gd name="connsiteX3" fmla="*/ 86326 w 1644654"/>
-                <a:gd name="connsiteY3" fmla="*/ 1001486 h 1625600"/>
-                <a:gd name="connsiteX4" fmla="*/ 115354 w 1644654"/>
-                <a:gd name="connsiteY4" fmla="*/ 1625600 h 1625600"/>
-                <a:gd name="connsiteX0" fmla="*/ 1132114 w 1558328"/>
-                <a:gd name="connsiteY0" fmla="*/ 0 h 1002565"/>
-                <a:gd name="connsiteX1" fmla="*/ 1553028 w 1558328"/>
-                <a:gd name="connsiteY1" fmla="*/ 624114 h 1002565"/>
-                <a:gd name="connsiteX2" fmla="*/ 870857 w 1558328"/>
-                <a:gd name="connsiteY2" fmla="*/ 986971 h 1002565"/>
-                <a:gd name="connsiteX3" fmla="*/ 0 w 1558328"/>
-                <a:gd name="connsiteY3" fmla="*/ 1001486 h 1002565"/>
-              </a:gdLst>
-              <a:ahLst/>
-              <a:cxnLst>
-                <a:cxn ang="0">
-                  <a:pos x="connsiteX0" y="connsiteY0"/>
-                </a:cxn>
-                <a:cxn ang="0">
-                  <a:pos x="connsiteX1" y="connsiteY1"/>
-                </a:cxn>
-                <a:cxn ang="0">
-                  <a:pos x="connsiteX2" y="connsiteY2"/>
-                </a:cxn>
-                <a:cxn ang="0">
-                  <a:pos x="connsiteX3" y="connsiteY3"/>
-                </a:cxn>
-              </a:cxnLst>
-              <a:rect l="l" t="t" r="r" b="b"/>
-              <a:pathLst>
-                <a:path w="1558328" h="1002565">
-                  <a:moveTo>
-                    <a:pt x="1132114" y="0"/>
-                  </a:moveTo>
-                  <a:cubicBezTo>
-                    <a:pt x="1364342" y="229809"/>
-                    <a:pt x="1596571" y="459619"/>
-                    <a:pt x="1553028" y="624114"/>
-                  </a:cubicBezTo>
-                  <a:cubicBezTo>
-                    <a:pt x="1509485" y="788609"/>
-                    <a:pt x="1129695" y="924076"/>
-                    <a:pt x="870857" y="986971"/>
-                  </a:cubicBezTo>
-                  <a:cubicBezTo>
-                    <a:pt x="612019" y="1049866"/>
-                    <a:pt x="140305" y="895048"/>
-                    <a:pt x="0" y="1001486"/>
-                  </a:cubicBezTo>
-                </a:path>
-              </a:pathLst>
-            </a:custGeom>
-            <a:noFill/>
-            <a:ln w="50800">
-              <a:solidFill>
-                <a:srgbClr val="00B050"/>
-              </a:solidFill>
-            </a:ln>
-          </p:spPr>
-          <p:style>
-            <a:lnRef idx="2">
-              <a:schemeClr val="accent1">
-                <a:shade val="50000"/>
-              </a:schemeClr>
-            </a:lnRef>
-            <a:fillRef idx="1">
-              <a:schemeClr val="accent1"/>
-            </a:fillRef>
-            <a:effectRef idx="0">
-              <a:schemeClr val="accent1"/>
-            </a:effectRef>
-            <a:fontRef idx="minor">
-              <a:schemeClr val="lt1"/>
-            </a:fontRef>
-          </p:style>
-          <p:txBody>
-            <a:bodyPr rtlCol="0" anchor="ctr"/>
-            <a:lstStyle/>
-            <a:p>
-              <a:pPr algn="ctr"/>
-              <a:endParaRPr lang="en-US"/>
-            </a:p>
-          </p:txBody>
-        </p:sp>
-        <p:sp>
-          <p:nvSpPr>
-            <p:cNvPr id="6" name="Freeform 5">
-              <a:extLst>
-                <a:ext uri="{FF2B5EF4-FFF2-40B4-BE49-F238E27FC236}">
-                  <a16:creationId xmlns:a16="http://schemas.microsoft.com/office/drawing/2014/main" id="{0C1E093D-3FFA-2A46-86FF-6AE659B8A267}"/>
-                </a:ext>
-              </a:extLst>
-            </p:cNvPr>
-            <p:cNvSpPr/>
-            <p:nvPr/>
-          </p:nvSpPr>
-          <p:spPr>
-            <a:xfrm>
-              <a:off x="7460343" y="3309257"/>
-              <a:ext cx="2481943" cy="2960914"/>
-            </a:xfrm>
-            <a:custGeom>
-              <a:avLst/>
-              <a:gdLst>
-                <a:gd name="connsiteX0" fmla="*/ 0 w 5558972"/>
-                <a:gd name="connsiteY0" fmla="*/ 5718629 h 5718629"/>
-                <a:gd name="connsiteX1" fmla="*/ 2206172 w 5558972"/>
-                <a:gd name="connsiteY1" fmla="*/ 3889829 h 5718629"/>
-                <a:gd name="connsiteX2" fmla="*/ 3077029 w 5558972"/>
-                <a:gd name="connsiteY2" fmla="*/ 2960914 h 5718629"/>
-                <a:gd name="connsiteX3" fmla="*/ 3991429 w 5558972"/>
-                <a:gd name="connsiteY3" fmla="*/ 1712686 h 5718629"/>
-                <a:gd name="connsiteX4" fmla="*/ 4818743 w 5558972"/>
-                <a:gd name="connsiteY4" fmla="*/ 319314 h 5718629"/>
-                <a:gd name="connsiteX5" fmla="*/ 5558972 w 5558972"/>
-                <a:gd name="connsiteY5" fmla="*/ 0 h 5718629"/>
-                <a:gd name="connsiteX0" fmla="*/ 0 w 3352800"/>
-                <a:gd name="connsiteY0" fmla="*/ 3889829 h 3889829"/>
-                <a:gd name="connsiteX1" fmla="*/ 870857 w 3352800"/>
-                <a:gd name="connsiteY1" fmla="*/ 2960914 h 3889829"/>
-                <a:gd name="connsiteX2" fmla="*/ 1785257 w 3352800"/>
-                <a:gd name="connsiteY2" fmla="*/ 1712686 h 3889829"/>
-                <a:gd name="connsiteX3" fmla="*/ 2612571 w 3352800"/>
-                <a:gd name="connsiteY3" fmla="*/ 319314 h 3889829"/>
-                <a:gd name="connsiteX4" fmla="*/ 3352800 w 3352800"/>
-                <a:gd name="connsiteY4" fmla="*/ 0 h 3889829"/>
-                <a:gd name="connsiteX0" fmla="*/ 0 w 2481943"/>
-                <a:gd name="connsiteY0" fmla="*/ 2960914 h 2960914"/>
-                <a:gd name="connsiteX1" fmla="*/ 914400 w 2481943"/>
-                <a:gd name="connsiteY1" fmla="*/ 1712686 h 2960914"/>
-                <a:gd name="connsiteX2" fmla="*/ 1741714 w 2481943"/>
-                <a:gd name="connsiteY2" fmla="*/ 319314 h 2960914"/>
-                <a:gd name="connsiteX3" fmla="*/ 2481943 w 2481943"/>
-                <a:gd name="connsiteY3" fmla="*/ 0 h 2960914"/>
-              </a:gdLst>
-              <a:ahLst/>
-              <a:cxnLst>
-                <a:cxn ang="0">
-                  <a:pos x="connsiteX0" y="connsiteY0"/>
-                </a:cxn>
-                <a:cxn ang="0">
-                  <a:pos x="connsiteX1" y="connsiteY1"/>
-                </a:cxn>
-                <a:cxn ang="0">
-                  <a:pos x="connsiteX2" y="connsiteY2"/>
-                </a:cxn>
-                <a:cxn ang="0">
-                  <a:pos x="connsiteX3" y="connsiteY3"/>
-                </a:cxn>
-              </a:cxnLst>
-              <a:rect l="l" t="t" r="r" b="b"/>
-              <a:pathLst>
-                <a:path w="2481943" h="2960914">
-                  <a:moveTo>
-                    <a:pt x="0" y="2960914"/>
-                  </a:moveTo>
-                  <a:cubicBezTo>
-                    <a:pt x="297543" y="2598057"/>
-                    <a:pt x="624114" y="2152952"/>
-                    <a:pt x="914400" y="1712686"/>
-                  </a:cubicBezTo>
-                  <a:cubicBezTo>
-                    <a:pt x="1204686" y="1272420"/>
-                    <a:pt x="1480457" y="604762"/>
-                    <a:pt x="1741714" y="319314"/>
-                  </a:cubicBezTo>
-                  <a:cubicBezTo>
-                    <a:pt x="2002971" y="33866"/>
-                    <a:pt x="2242457" y="16933"/>
-                    <a:pt x="2481943" y="0"/>
-                  </a:cubicBezTo>
-                </a:path>
-              </a:pathLst>
-            </a:custGeom>
-            <a:noFill/>
-            <a:ln w="50800">
-              <a:solidFill>
-                <a:srgbClr val="00B050"/>
-              </a:solidFill>
-            </a:ln>
-          </p:spPr>
-          <p:style>
-            <a:lnRef idx="2">
-              <a:schemeClr val="accent1">
-                <a:shade val="50000"/>
-              </a:schemeClr>
-            </a:lnRef>
-            <a:fillRef idx="1">
-              <a:schemeClr val="accent1"/>
-            </a:fillRef>
-            <a:effectRef idx="0">
-              <a:schemeClr val="accent1"/>
-            </a:effectRef>
-            <a:fontRef idx="minor">
-              <a:schemeClr val="lt1"/>
-            </a:fontRef>
-          </p:style>
-          <p:txBody>
-            <a:bodyPr rtlCol="0" anchor="ctr"/>
-            <a:lstStyle/>
-            <a:p>
-              <a:pPr algn="ctr"/>
-              <a:endParaRPr lang="en-US" dirty="0"/>
-            </a:p>
-          </p:txBody>
-        </p:sp>
-        <p:sp>
-          <p:nvSpPr>
-            <p:cNvPr id="7" name="Freeform 6">
-              <a:extLst>
-                <a:ext uri="{FF2B5EF4-FFF2-40B4-BE49-F238E27FC236}">
-                  <a16:creationId xmlns:a16="http://schemas.microsoft.com/office/drawing/2014/main" id="{80606C3D-0264-4C49-A93F-0E28D2D53562}"/>
-                </a:ext>
-              </a:extLst>
-            </p:cNvPr>
-            <p:cNvSpPr/>
-            <p:nvPr/>
-          </p:nvSpPr>
-          <p:spPr>
-            <a:xfrm>
-              <a:off x="5588001" y="3296747"/>
-              <a:ext cx="4107543" cy="1028510"/>
-            </a:xfrm>
-            <a:custGeom>
-              <a:avLst/>
-              <a:gdLst>
-                <a:gd name="connsiteX0" fmla="*/ 7068457 w 7068457"/>
-                <a:gd name="connsiteY0" fmla="*/ 1028510 h 1028510"/>
-                <a:gd name="connsiteX1" fmla="*/ 6647543 w 7068457"/>
-                <a:gd name="connsiteY1" fmla="*/ 288282 h 1028510"/>
-                <a:gd name="connsiteX2" fmla="*/ 5747657 w 7068457"/>
-                <a:gd name="connsiteY2" fmla="*/ 27024 h 1028510"/>
-                <a:gd name="connsiteX3" fmla="*/ 2960914 w 7068457"/>
-                <a:gd name="connsiteY3" fmla="*/ 883367 h 1028510"/>
-                <a:gd name="connsiteX4" fmla="*/ 1277257 w 7068457"/>
-                <a:gd name="connsiteY4" fmla="*/ 897882 h 1028510"/>
-                <a:gd name="connsiteX5" fmla="*/ 1016000 w 7068457"/>
-                <a:gd name="connsiteY5" fmla="*/ 651139 h 1028510"/>
-                <a:gd name="connsiteX6" fmla="*/ 522514 w 7068457"/>
-                <a:gd name="connsiteY6" fmla="*/ 491482 h 1028510"/>
-                <a:gd name="connsiteX7" fmla="*/ 0 w 7068457"/>
-                <a:gd name="connsiteY7" fmla="*/ 810796 h 1028510"/>
-                <a:gd name="connsiteX0" fmla="*/ 6545943 w 6545943"/>
-                <a:gd name="connsiteY0" fmla="*/ 1028510 h 1028510"/>
-                <a:gd name="connsiteX1" fmla="*/ 6125029 w 6545943"/>
-                <a:gd name="connsiteY1" fmla="*/ 288282 h 1028510"/>
-                <a:gd name="connsiteX2" fmla="*/ 5225143 w 6545943"/>
-                <a:gd name="connsiteY2" fmla="*/ 27024 h 1028510"/>
-                <a:gd name="connsiteX3" fmla="*/ 2438400 w 6545943"/>
-                <a:gd name="connsiteY3" fmla="*/ 883367 h 1028510"/>
-                <a:gd name="connsiteX4" fmla="*/ 754743 w 6545943"/>
-                <a:gd name="connsiteY4" fmla="*/ 897882 h 1028510"/>
-                <a:gd name="connsiteX5" fmla="*/ 493486 w 6545943"/>
-                <a:gd name="connsiteY5" fmla="*/ 651139 h 1028510"/>
-                <a:gd name="connsiteX6" fmla="*/ 0 w 6545943"/>
-                <a:gd name="connsiteY6" fmla="*/ 491482 h 1028510"/>
-                <a:gd name="connsiteX0" fmla="*/ 6052457 w 6052457"/>
-                <a:gd name="connsiteY0" fmla="*/ 1028510 h 1028510"/>
-                <a:gd name="connsiteX1" fmla="*/ 5631543 w 6052457"/>
-                <a:gd name="connsiteY1" fmla="*/ 288282 h 1028510"/>
-                <a:gd name="connsiteX2" fmla="*/ 4731657 w 6052457"/>
-                <a:gd name="connsiteY2" fmla="*/ 27024 h 1028510"/>
-                <a:gd name="connsiteX3" fmla="*/ 1944914 w 6052457"/>
-                <a:gd name="connsiteY3" fmla="*/ 883367 h 1028510"/>
-                <a:gd name="connsiteX4" fmla="*/ 261257 w 6052457"/>
-                <a:gd name="connsiteY4" fmla="*/ 897882 h 1028510"/>
-                <a:gd name="connsiteX5" fmla="*/ 0 w 6052457"/>
-                <a:gd name="connsiteY5" fmla="*/ 651139 h 1028510"/>
-                <a:gd name="connsiteX0" fmla="*/ 5791200 w 5791200"/>
-                <a:gd name="connsiteY0" fmla="*/ 1028510 h 1028510"/>
-                <a:gd name="connsiteX1" fmla="*/ 5370286 w 5791200"/>
-                <a:gd name="connsiteY1" fmla="*/ 288282 h 1028510"/>
-                <a:gd name="connsiteX2" fmla="*/ 4470400 w 5791200"/>
-                <a:gd name="connsiteY2" fmla="*/ 27024 h 1028510"/>
-                <a:gd name="connsiteX3" fmla="*/ 1683657 w 5791200"/>
-                <a:gd name="connsiteY3" fmla="*/ 883367 h 1028510"/>
-                <a:gd name="connsiteX4" fmla="*/ 0 w 5791200"/>
-                <a:gd name="connsiteY4" fmla="*/ 897882 h 1028510"/>
-                <a:gd name="connsiteX0" fmla="*/ 4107543 w 4107543"/>
-                <a:gd name="connsiteY0" fmla="*/ 1028510 h 1028510"/>
-                <a:gd name="connsiteX1" fmla="*/ 3686629 w 4107543"/>
-                <a:gd name="connsiteY1" fmla="*/ 288282 h 1028510"/>
-                <a:gd name="connsiteX2" fmla="*/ 2786743 w 4107543"/>
-                <a:gd name="connsiteY2" fmla="*/ 27024 h 1028510"/>
-                <a:gd name="connsiteX3" fmla="*/ 0 w 4107543"/>
-                <a:gd name="connsiteY3" fmla="*/ 883367 h 1028510"/>
-              </a:gdLst>
-              <a:ahLst/>
-              <a:cxnLst>
-                <a:cxn ang="0">
-                  <a:pos x="connsiteX0" y="connsiteY0"/>
-                </a:cxn>
-                <a:cxn ang="0">
-                  <a:pos x="connsiteX1" y="connsiteY1"/>
-                </a:cxn>
-                <a:cxn ang="0">
-                  <a:pos x="connsiteX2" y="connsiteY2"/>
-                </a:cxn>
-                <a:cxn ang="0">
-                  <a:pos x="connsiteX3" y="connsiteY3"/>
-                </a:cxn>
-              </a:cxnLst>
-              <a:rect l="l" t="t" r="r" b="b"/>
-              <a:pathLst>
-                <a:path w="4107543" h="1028510">
-                  <a:moveTo>
-                    <a:pt x="4107543" y="1028510"/>
-                  </a:moveTo>
-                  <a:cubicBezTo>
-                    <a:pt x="4007152" y="741853"/>
-                    <a:pt x="3906762" y="455196"/>
-                    <a:pt x="3686629" y="288282"/>
-                  </a:cubicBezTo>
-                  <a:cubicBezTo>
-                    <a:pt x="3466496" y="121368"/>
-                    <a:pt x="3401181" y="-72157"/>
-                    <a:pt x="2786743" y="27024"/>
-                  </a:cubicBezTo>
-                  <a:cubicBezTo>
-                    <a:pt x="2172305" y="126205"/>
-                    <a:pt x="745067" y="738224"/>
-                    <a:pt x="0" y="883367"/>
-                  </a:cubicBezTo>
-                </a:path>
-              </a:pathLst>
-            </a:custGeom>
-            <a:noFill/>
-            <a:ln w="50800">
-              <a:solidFill>
-                <a:srgbClr val="00B050"/>
-              </a:solidFill>
-            </a:ln>
-          </p:spPr>
-          <p:style>
-            <a:lnRef idx="2">
-              <a:schemeClr val="accent1">
-                <a:shade val="50000"/>
-              </a:schemeClr>
-            </a:lnRef>
-            <a:fillRef idx="1">
-              <a:schemeClr val="accent1"/>
-            </a:fillRef>
-            <a:effectRef idx="0">
-              <a:schemeClr val="accent1"/>
-            </a:effectRef>
-            <a:fontRef idx="minor">
-              <a:schemeClr val="lt1"/>
-            </a:fontRef>
-          </p:style>
-          <p:txBody>
-            <a:bodyPr rtlCol="0" anchor="ctr"/>
-            <a:lstStyle/>
-            <a:p>
-              <a:pPr algn="ctr"/>
-              <a:endParaRPr lang="en-US"/>
-            </a:p>
-          </p:txBody>
-        </p:sp>
-        <p:sp>
-          <p:nvSpPr>
-            <p:cNvPr id="12" name="Freeform 11">
-              <a:extLst>
-                <a:ext uri="{FF2B5EF4-FFF2-40B4-BE49-F238E27FC236}">
-                  <a16:creationId xmlns:a16="http://schemas.microsoft.com/office/drawing/2014/main" id="{3B981060-C9D5-234C-867E-A86C3712A00B}"/>
-                </a:ext>
-              </a:extLst>
-            </p:cNvPr>
-            <p:cNvSpPr/>
-            <p:nvPr/>
-          </p:nvSpPr>
-          <p:spPr>
-            <a:xfrm>
-              <a:off x="8113486" y="5428343"/>
-              <a:ext cx="609600" cy="222752"/>
-            </a:xfrm>
-            <a:custGeom>
-              <a:avLst/>
-              <a:gdLst>
-                <a:gd name="connsiteX0" fmla="*/ 0 w 609600"/>
-                <a:gd name="connsiteY0" fmla="*/ 0 h 222752"/>
-                <a:gd name="connsiteX1" fmla="*/ 319314 w 609600"/>
-                <a:gd name="connsiteY1" fmla="*/ 203200 h 222752"/>
-                <a:gd name="connsiteX2" fmla="*/ 609600 w 609600"/>
-                <a:gd name="connsiteY2" fmla="*/ 203200 h 222752"/>
-              </a:gdLst>
-              <a:ahLst/>
-              <a:cxnLst>
-                <a:cxn ang="0">
-                  <a:pos x="connsiteX0" y="connsiteY0"/>
-                </a:cxn>
-                <a:cxn ang="0">
-                  <a:pos x="connsiteX1" y="connsiteY1"/>
-                </a:cxn>
-                <a:cxn ang="0">
-                  <a:pos x="connsiteX2" y="connsiteY2"/>
-                </a:cxn>
-              </a:cxnLst>
-              <a:rect l="l" t="t" r="r" b="b"/>
-              <a:pathLst>
-                <a:path w="609600" h="222752">
-                  <a:moveTo>
-                    <a:pt x="0" y="0"/>
-                  </a:moveTo>
-                  <a:cubicBezTo>
-                    <a:pt x="108857" y="84666"/>
-                    <a:pt x="217714" y="169333"/>
-                    <a:pt x="319314" y="203200"/>
-                  </a:cubicBezTo>
-                  <a:cubicBezTo>
-                    <a:pt x="420914" y="237067"/>
-                    <a:pt x="515257" y="220133"/>
-                    <a:pt x="609600" y="203200"/>
-                  </a:cubicBezTo>
-                </a:path>
-              </a:pathLst>
-            </a:custGeom>
-            <a:noFill/>
-            <a:ln w="50800">
-              <a:solidFill>
-                <a:srgbClr val="00B050"/>
-              </a:solidFill>
-            </a:ln>
-          </p:spPr>
-          <p:style>
-            <a:lnRef idx="2">
-              <a:schemeClr val="accent1">
-                <a:shade val="50000"/>
-              </a:schemeClr>
-            </a:lnRef>
-            <a:fillRef idx="1">
-              <a:schemeClr val="accent1"/>
-            </a:fillRef>
-            <a:effectRef idx="0">
-              <a:schemeClr val="accent1"/>
-            </a:effectRef>
-            <a:fontRef idx="minor">
-              <a:schemeClr val="lt1"/>
-            </a:fontRef>
-          </p:style>
-          <p:txBody>
-            <a:bodyPr rtlCol="0" anchor="ctr"/>
-            <a:lstStyle/>
-            <a:p>
-              <a:pPr algn="ctr"/>
-              <a:endParaRPr lang="en-US"/>
-            </a:p>
-          </p:txBody>
-        </p:sp>
-        <p:sp>
-          <p:nvSpPr>
-            <p:cNvPr id="14" name="Freeform 13">
-              <a:extLst>
-                <a:ext uri="{FF2B5EF4-FFF2-40B4-BE49-F238E27FC236}">
-                  <a16:creationId xmlns:a16="http://schemas.microsoft.com/office/drawing/2014/main" id="{6BF85C80-335E-A240-9A3B-E6ED492F0B97}"/>
-                </a:ext>
-              </a:extLst>
-            </p:cNvPr>
-            <p:cNvSpPr/>
-            <p:nvPr/>
-          </p:nvSpPr>
-          <p:spPr>
-            <a:xfrm>
-              <a:off x="7554495" y="5675085"/>
-              <a:ext cx="965391" cy="557119"/>
-            </a:xfrm>
-            <a:custGeom>
-              <a:avLst/>
-              <a:gdLst>
-                <a:gd name="connsiteX0" fmla="*/ 1001486 w 1001486"/>
-                <a:gd name="connsiteY0" fmla="*/ 0 h 597286"/>
-                <a:gd name="connsiteX1" fmla="*/ 856343 w 1001486"/>
-                <a:gd name="connsiteY1" fmla="*/ 290285 h 597286"/>
-                <a:gd name="connsiteX2" fmla="*/ 638629 w 1001486"/>
-                <a:gd name="connsiteY2" fmla="*/ 362857 h 597286"/>
-                <a:gd name="connsiteX3" fmla="*/ 435429 w 1001486"/>
-                <a:gd name="connsiteY3" fmla="*/ 580571 h 597286"/>
-                <a:gd name="connsiteX4" fmla="*/ 0 w 1001486"/>
-                <a:gd name="connsiteY4" fmla="*/ 566057 h 597286"/>
-                <a:gd name="connsiteX0" fmla="*/ 965391 w 965391"/>
-                <a:gd name="connsiteY0" fmla="*/ 0 h 588935"/>
-                <a:gd name="connsiteX1" fmla="*/ 820248 w 965391"/>
-                <a:gd name="connsiteY1" fmla="*/ 290285 h 588935"/>
-                <a:gd name="connsiteX2" fmla="*/ 602534 w 965391"/>
-                <a:gd name="connsiteY2" fmla="*/ 362857 h 588935"/>
-                <a:gd name="connsiteX3" fmla="*/ 399334 w 965391"/>
-                <a:gd name="connsiteY3" fmla="*/ 580571 h 588935"/>
-                <a:gd name="connsiteX4" fmla="*/ 0 w 965391"/>
-                <a:gd name="connsiteY4" fmla="*/ 511915 h 588935"/>
-                <a:gd name="connsiteX0" fmla="*/ 965391 w 965391"/>
-                <a:gd name="connsiteY0" fmla="*/ 0 h 557119"/>
-                <a:gd name="connsiteX1" fmla="*/ 820248 w 965391"/>
-                <a:gd name="connsiteY1" fmla="*/ 290285 h 557119"/>
-                <a:gd name="connsiteX2" fmla="*/ 602534 w 965391"/>
-                <a:gd name="connsiteY2" fmla="*/ 362857 h 557119"/>
-                <a:gd name="connsiteX3" fmla="*/ 393319 w 965391"/>
-                <a:gd name="connsiteY3" fmla="*/ 544476 h 557119"/>
-                <a:gd name="connsiteX4" fmla="*/ 0 w 965391"/>
-                <a:gd name="connsiteY4" fmla="*/ 511915 h 557119"/>
-                <a:gd name="connsiteX0" fmla="*/ 965391 w 965391"/>
-                <a:gd name="connsiteY0" fmla="*/ 0 h 557119"/>
-                <a:gd name="connsiteX1" fmla="*/ 820248 w 965391"/>
-                <a:gd name="connsiteY1" fmla="*/ 290285 h 557119"/>
-                <a:gd name="connsiteX2" fmla="*/ 602534 w 965391"/>
-                <a:gd name="connsiteY2" fmla="*/ 362857 h 557119"/>
-                <a:gd name="connsiteX3" fmla="*/ 393319 w 965391"/>
-                <a:gd name="connsiteY3" fmla="*/ 544476 h 557119"/>
-                <a:gd name="connsiteX4" fmla="*/ 0 w 965391"/>
-                <a:gd name="connsiteY4" fmla="*/ 511915 h 557119"/>
-              </a:gdLst>
-              <a:ahLst/>
-              <a:cxnLst>
-                <a:cxn ang="0">
-                  <a:pos x="connsiteX0" y="connsiteY0"/>
-                </a:cxn>
-                <a:cxn ang="0">
-                  <a:pos x="connsiteX1" y="connsiteY1"/>
-                </a:cxn>
-                <a:cxn ang="0">
-                  <a:pos x="connsiteX2" y="connsiteY2"/>
-                </a:cxn>
-                <a:cxn ang="0">
-                  <a:pos x="connsiteX3" y="connsiteY3"/>
-                </a:cxn>
-                <a:cxn ang="0">
-                  <a:pos x="connsiteX4" y="connsiteY4"/>
-                </a:cxn>
-              </a:cxnLst>
-              <a:rect l="l" t="t" r="r" b="b"/>
-              <a:pathLst>
-                <a:path w="965391" h="557119">
-                  <a:moveTo>
-                    <a:pt x="965391" y="0"/>
-                  </a:moveTo>
-                  <a:cubicBezTo>
-                    <a:pt x="923057" y="114904"/>
-                    <a:pt x="880724" y="229809"/>
-                    <a:pt x="820248" y="290285"/>
-                  </a:cubicBezTo>
-                  <a:cubicBezTo>
-                    <a:pt x="759772" y="350761"/>
-                    <a:pt x="673689" y="320492"/>
-                    <a:pt x="602534" y="362857"/>
-                  </a:cubicBezTo>
-                  <a:cubicBezTo>
-                    <a:pt x="531379" y="405222"/>
-                    <a:pt x="499757" y="564751"/>
-                    <a:pt x="393319" y="544476"/>
-                  </a:cubicBezTo>
-                  <a:cubicBezTo>
-                    <a:pt x="286881" y="578343"/>
-                    <a:pt x="164495" y="536105"/>
-                    <a:pt x="0" y="511915"/>
-                  </a:cubicBezTo>
-                </a:path>
-              </a:pathLst>
-            </a:custGeom>
-            <a:noFill/>
-            <a:ln w="50800">
-              <a:solidFill>
-                <a:srgbClr val="00B050"/>
-              </a:solidFill>
-            </a:ln>
-          </p:spPr>
-          <p:style>
-            <a:lnRef idx="2">
-              <a:schemeClr val="accent1">
-                <a:shade val="50000"/>
-              </a:schemeClr>
-            </a:lnRef>
-            <a:fillRef idx="1">
-              <a:schemeClr val="accent1"/>
-            </a:fillRef>
-            <a:effectRef idx="0">
-              <a:schemeClr val="accent1"/>
-            </a:effectRef>
-            <a:fontRef idx="minor">
-              <a:schemeClr val="lt1"/>
-            </a:fontRef>
-          </p:style>
-          <p:txBody>
-            <a:bodyPr rtlCol="0" anchor="ctr"/>
-            <a:lstStyle/>
-            <a:p>
-              <a:pPr algn="ctr"/>
-              <a:endParaRPr lang="en-US" dirty="0"/>
-            </a:p>
-          </p:txBody>
-        </p:sp>
-        <p:sp>
-          <p:nvSpPr>
-            <p:cNvPr id="27" name="TextBox 26">
-              <a:extLst>
-                <a:ext uri="{FF2B5EF4-FFF2-40B4-BE49-F238E27FC236}">
-                  <a16:creationId xmlns:a16="http://schemas.microsoft.com/office/drawing/2014/main" id="{17E6ECAC-DBE3-CB43-9ED2-D9E0E74EE142}"/>
-                </a:ext>
-              </a:extLst>
-            </p:cNvPr>
-            <p:cNvSpPr txBox="1"/>
-            <p:nvPr/>
-          </p:nvSpPr>
-          <p:spPr>
-            <a:xfrm>
-              <a:off x="7880959" y="6467204"/>
-              <a:ext cx="537327" cy="369332"/>
-            </a:xfrm>
-            <a:prstGeom prst="rect">
-              <a:avLst/>
-            </a:prstGeom>
-            <a:noFill/>
-          </p:spPr>
-          <p:txBody>
-            <a:bodyPr wrap="none" rtlCol="0">
-              <a:spAutoFit/>
-            </a:bodyPr>
-            <a:lstStyle/>
-            <a:p>
-              <a:r>
-                <a:rPr lang="en-US" b="1" i="1" dirty="0">
-                  <a:solidFill>
-                    <a:srgbClr val="00B050"/>
-                  </a:solidFill>
-                </a:rPr>
-                <a:t>E4C</a:t>
-              </a:r>
-            </a:p>
-          </p:txBody>
-        </p:sp>
-        <p:sp>
-          <p:nvSpPr>
-            <p:cNvPr id="92" name="TextBox 91">
-              <a:extLst>
-                <a:ext uri="{FF2B5EF4-FFF2-40B4-BE49-F238E27FC236}">
-                  <a16:creationId xmlns:a16="http://schemas.microsoft.com/office/drawing/2014/main" id="{CFB8B82F-EBC9-0344-94FC-2F9FB7C660A0}"/>
-                </a:ext>
-              </a:extLst>
-            </p:cNvPr>
-            <p:cNvSpPr txBox="1"/>
-            <p:nvPr/>
-          </p:nvSpPr>
-          <p:spPr>
-            <a:xfrm>
-              <a:off x="8715278" y="6093473"/>
-              <a:ext cx="537327" cy="369332"/>
-            </a:xfrm>
-            <a:prstGeom prst="rect">
-              <a:avLst/>
-            </a:prstGeom>
-            <a:noFill/>
-          </p:spPr>
-          <p:txBody>
-            <a:bodyPr wrap="none" rtlCol="0">
-              <a:spAutoFit/>
-            </a:bodyPr>
-            <a:lstStyle/>
-            <a:p>
-              <a:r>
-                <a:rPr lang="en-US" b="1" i="1" dirty="0">
-                  <a:solidFill>
-                    <a:srgbClr val="00B050"/>
-                  </a:solidFill>
-                </a:rPr>
-                <a:t>E5C</a:t>
-              </a:r>
-            </a:p>
-          </p:txBody>
-        </p:sp>
-        <p:sp>
-          <p:nvSpPr>
-            <p:cNvPr id="93" name="TextBox 92">
-              <a:extLst>
-                <a:ext uri="{FF2B5EF4-FFF2-40B4-BE49-F238E27FC236}">
-                  <a16:creationId xmlns:a16="http://schemas.microsoft.com/office/drawing/2014/main" id="{98E9348D-F9D8-994E-8384-396AD075D596}"/>
-                </a:ext>
-              </a:extLst>
-            </p:cNvPr>
-            <p:cNvSpPr txBox="1"/>
-            <p:nvPr/>
-          </p:nvSpPr>
-          <p:spPr>
-            <a:xfrm>
-              <a:off x="8814797" y="4221729"/>
-              <a:ext cx="537327" cy="369332"/>
-            </a:xfrm>
-            <a:prstGeom prst="rect">
-              <a:avLst/>
-            </a:prstGeom>
-            <a:noFill/>
-          </p:spPr>
-          <p:txBody>
-            <a:bodyPr wrap="none" rtlCol="0">
-              <a:spAutoFit/>
-            </a:bodyPr>
-            <a:lstStyle/>
-            <a:p>
-              <a:r>
-                <a:rPr lang="en-US" b="1" i="1" dirty="0">
-                  <a:solidFill>
-                    <a:srgbClr val="00B050"/>
-                  </a:solidFill>
-                </a:rPr>
-                <a:t>E6C</a:t>
-              </a:r>
-            </a:p>
-          </p:txBody>
-        </p:sp>
-        <p:sp>
-          <p:nvSpPr>
-            <p:cNvPr id="94" name="TextBox 93">
-              <a:extLst>
-                <a:ext uri="{FF2B5EF4-FFF2-40B4-BE49-F238E27FC236}">
-                  <a16:creationId xmlns:a16="http://schemas.microsoft.com/office/drawing/2014/main" id="{C39E757F-C28D-6040-8D9C-34D8D70AA57B}"/>
-                </a:ext>
-              </a:extLst>
-            </p:cNvPr>
-            <p:cNvSpPr txBox="1"/>
-            <p:nvPr/>
-          </p:nvSpPr>
-          <p:spPr>
-            <a:xfrm>
-              <a:off x="9773555" y="3602599"/>
-              <a:ext cx="537327" cy="369332"/>
-            </a:xfrm>
-            <a:prstGeom prst="rect">
-              <a:avLst/>
-            </a:prstGeom>
-            <a:noFill/>
-          </p:spPr>
-          <p:txBody>
-            <a:bodyPr wrap="none" rtlCol="0">
-              <a:spAutoFit/>
-            </a:bodyPr>
-            <a:lstStyle/>
-            <a:p>
-              <a:r>
-                <a:rPr lang="en-US" b="1" i="1" dirty="0">
-                  <a:solidFill>
-                    <a:srgbClr val="00B050"/>
-                  </a:solidFill>
-                </a:rPr>
-                <a:t>E7C</a:t>
-              </a:r>
-            </a:p>
-          </p:txBody>
-        </p:sp>
-        <p:sp>
-          <p:nvSpPr>
-            <p:cNvPr id="96" name="TextBox 95">
-              <a:extLst>
-                <a:ext uri="{FF2B5EF4-FFF2-40B4-BE49-F238E27FC236}">
-                  <a16:creationId xmlns:a16="http://schemas.microsoft.com/office/drawing/2014/main" id="{F40D0970-5830-D14C-B690-559DE9BE9BF2}"/>
-                </a:ext>
-              </a:extLst>
-            </p:cNvPr>
-            <p:cNvSpPr txBox="1"/>
-            <p:nvPr/>
-          </p:nvSpPr>
-          <p:spPr>
-            <a:xfrm>
-              <a:off x="6973608" y="5065471"/>
-              <a:ext cx="474810" cy="369332"/>
-            </a:xfrm>
-            <a:prstGeom prst="rect">
-              <a:avLst/>
-            </a:prstGeom>
-            <a:noFill/>
-          </p:spPr>
-          <p:txBody>
-            <a:bodyPr wrap="none" rtlCol="0">
-              <a:spAutoFit/>
-            </a:bodyPr>
-            <a:lstStyle/>
-            <a:p>
-              <a:r>
-                <a:rPr lang="en-US" b="1" i="1" dirty="0">
-                  <a:solidFill>
-                    <a:srgbClr val="00B050"/>
-                  </a:solidFill>
-                </a:rPr>
-                <a:t>E5I</a:t>
-              </a:r>
-            </a:p>
-          </p:txBody>
-        </p:sp>
-        <p:sp>
-          <p:nvSpPr>
-            <p:cNvPr id="97" name="TextBox 96">
-              <a:extLst>
-                <a:ext uri="{FF2B5EF4-FFF2-40B4-BE49-F238E27FC236}">
-                  <a16:creationId xmlns:a16="http://schemas.microsoft.com/office/drawing/2014/main" id="{7314569D-D04E-5D4E-93A5-7002FE832336}"/>
-                </a:ext>
-              </a:extLst>
-            </p:cNvPr>
-            <p:cNvSpPr txBox="1"/>
-            <p:nvPr/>
-          </p:nvSpPr>
-          <p:spPr>
-            <a:xfrm>
-              <a:off x="8048172" y="4167592"/>
-              <a:ext cx="474810" cy="369332"/>
-            </a:xfrm>
-            <a:prstGeom prst="rect">
-              <a:avLst/>
-            </a:prstGeom>
-            <a:noFill/>
-          </p:spPr>
-          <p:txBody>
-            <a:bodyPr wrap="none" rtlCol="0">
-              <a:spAutoFit/>
-            </a:bodyPr>
-            <a:lstStyle/>
-            <a:p>
-              <a:r>
-                <a:rPr lang="en-US" b="1" i="1" dirty="0">
-                  <a:solidFill>
-                    <a:srgbClr val="00B050"/>
-                  </a:solidFill>
-                </a:rPr>
-                <a:t>E6I</a:t>
-              </a:r>
-            </a:p>
-          </p:txBody>
-        </p:sp>
-        <p:sp>
-          <p:nvSpPr>
-            <p:cNvPr id="98" name="TextBox 97">
-              <a:extLst>
-                <a:ext uri="{FF2B5EF4-FFF2-40B4-BE49-F238E27FC236}">
-                  <a16:creationId xmlns:a16="http://schemas.microsoft.com/office/drawing/2014/main" id="{EF612ADC-9882-D244-AF1A-68F5178EBFF9}"/>
-                </a:ext>
-              </a:extLst>
-            </p:cNvPr>
-            <p:cNvSpPr txBox="1"/>
-            <p:nvPr/>
-          </p:nvSpPr>
-          <p:spPr>
-            <a:xfrm>
-              <a:off x="6737722" y="3062379"/>
-              <a:ext cx="474810" cy="369332"/>
-            </a:xfrm>
-            <a:prstGeom prst="rect">
-              <a:avLst/>
-            </a:prstGeom>
-            <a:noFill/>
-          </p:spPr>
-          <p:txBody>
-            <a:bodyPr wrap="none" rtlCol="0">
-              <a:spAutoFit/>
-            </a:bodyPr>
-            <a:lstStyle/>
-            <a:p>
-              <a:r>
-                <a:rPr lang="en-US" b="1" i="1" dirty="0">
-                  <a:solidFill>
-                    <a:srgbClr val="00B050"/>
-                  </a:solidFill>
-                </a:rPr>
-                <a:t>E7I</a:t>
-              </a:r>
-            </a:p>
-          </p:txBody>
-        </p:sp>
-        <p:cxnSp>
-          <p:nvCxnSpPr>
-            <p:cNvPr id="57" name="Straight Arrow Connector 56">
-              <a:extLst>
-                <a:ext uri="{FF2B5EF4-FFF2-40B4-BE49-F238E27FC236}">
-                  <a16:creationId xmlns:a16="http://schemas.microsoft.com/office/drawing/2014/main" id="{2B65747F-DB48-B749-9E4E-ED3CB06B8EFE}"/>
-                </a:ext>
-              </a:extLst>
-            </p:cNvPr>
-            <p:cNvCxnSpPr>
-              <a:cxnSpLocks/>
-            </p:cNvCxnSpPr>
-            <p:nvPr/>
-          </p:nvCxnSpPr>
-          <p:spPr>
-            <a:xfrm flipH="1" flipV="1">
-              <a:off x="8317503" y="5837011"/>
-              <a:ext cx="1079277" cy="115647"/>
-            </a:xfrm>
-            <a:prstGeom prst="straightConnector1">
-              <a:avLst/>
-            </a:prstGeom>
-            <a:ln w="31750">
-              <a:solidFill>
-                <a:srgbClr val="00B050"/>
-              </a:solidFill>
-              <a:tailEnd type="triangle"/>
-            </a:ln>
-          </p:spPr>
-          <p:style>
-            <a:lnRef idx="1">
-              <a:schemeClr val="accent1"/>
-            </a:lnRef>
-            <a:fillRef idx="0">
-              <a:schemeClr val="accent1"/>
-            </a:fillRef>
-            <a:effectRef idx="0">
-              <a:schemeClr val="accent1"/>
-            </a:effectRef>
-            <a:fontRef idx="minor">
-              <a:schemeClr val="tx1"/>
-            </a:fontRef>
-          </p:style>
-        </p:cxnSp>
-        <p:sp>
-          <p:nvSpPr>
-            <p:cNvPr id="95" name="TextBox 94">
-              <a:extLst>
-                <a:ext uri="{FF2B5EF4-FFF2-40B4-BE49-F238E27FC236}">
-                  <a16:creationId xmlns:a16="http://schemas.microsoft.com/office/drawing/2014/main" id="{2E648EF6-46EF-9A4D-BE07-23CC731E0C0D}"/>
-                </a:ext>
-              </a:extLst>
-            </p:cNvPr>
-            <p:cNvSpPr txBox="1"/>
-            <p:nvPr/>
-          </p:nvSpPr>
-          <p:spPr>
-            <a:xfrm>
-              <a:off x="9355453" y="5749602"/>
-              <a:ext cx="543739" cy="369332"/>
-            </a:xfrm>
-            <a:prstGeom prst="rect">
-              <a:avLst/>
-            </a:prstGeom>
-            <a:noFill/>
-          </p:spPr>
-          <p:txBody>
-            <a:bodyPr wrap="square" rtlCol="0">
-              <a:spAutoFit/>
-            </a:bodyPr>
-            <a:lstStyle/>
-            <a:p>
-              <a:r>
-                <a:rPr lang="en-US" b="1" i="1" dirty="0">
-                  <a:solidFill>
-                    <a:srgbClr val="00B050"/>
-                  </a:solidFill>
-                </a:rPr>
-                <a:t>E5B</a:t>
-              </a:r>
-            </a:p>
-          </p:txBody>
-        </p:sp>
-      </p:grpSp>
       <p:pic>
         <p:nvPicPr>
           <p:cNvPr id="9" name="Picture 8">
@@ -12328,14 +11171,11 @@
           <a:lstStyle/>
           <a:p>
             <a:pPr fontAlgn="ctr"/>
-            <a:r>
-              <a:rPr lang="en-US" sz="1050" b="1" i="1" dirty="0">
-                <a:solidFill>
-                  <a:schemeClr val="tx1"/>
-                </a:solidFill>
-              </a:rPr>
-              <a:t>TXS</a:t>
-            </a:r>
+            <a:endParaRPr lang="en-US" sz="1050" b="1" i="1" dirty="0">
+              <a:solidFill>
+                <a:schemeClr val="tx1"/>
+              </a:solidFill>
+            </a:endParaRPr>
           </a:p>
           <a:p>
             <a:pPr fontAlgn="ctr"/>
@@ -12400,14 +11240,11 @@
           <a:lstStyle/>
           <a:p>
             <a:pPr fontAlgn="ctr"/>
-            <a:r>
-              <a:rPr lang="en-US" sz="1050" b="1" i="1" dirty="0">
-                <a:solidFill>
-                  <a:schemeClr val="tx1"/>
-                </a:solidFill>
-              </a:rPr>
-              <a:t>TXN</a:t>
-            </a:r>
+            <a:endParaRPr lang="en-US" sz="1050" b="1" i="1" dirty="0">
+              <a:solidFill>
+                <a:schemeClr val="tx1"/>
+              </a:solidFill>
+            </a:endParaRPr>
           </a:p>
           <a:p>
             <a:pPr fontAlgn="ctr"/>
@@ -12472,14 +11309,11 @@
           <a:lstStyle/>
           <a:p>
             <a:pPr fontAlgn="ctr"/>
-            <a:r>
-              <a:rPr lang="en-US" sz="1050" b="1" i="1" dirty="0">
-                <a:solidFill>
-                  <a:schemeClr val="tx1"/>
-                </a:solidFill>
-              </a:rPr>
-              <a:t>TXE</a:t>
-            </a:r>
+            <a:endParaRPr lang="en-US" sz="1050" b="1" i="1" dirty="0">
+              <a:solidFill>
+                <a:schemeClr val="tx1"/>
+              </a:solidFill>
+            </a:endParaRPr>
           </a:p>
           <a:p>
             <a:pPr fontAlgn="ctr"/>
@@ -12544,14 +11378,11 @@
           <a:lstStyle/>
           <a:p>
             <a:pPr fontAlgn="ctr"/>
-            <a:r>
-              <a:rPr lang="en-US" sz="1050" b="1" i="1" dirty="0">
-                <a:solidFill>
-                  <a:schemeClr val="tx1"/>
-                </a:solidFill>
-              </a:rPr>
-              <a:t>TXC</a:t>
-            </a:r>
+            <a:endParaRPr lang="en-US" sz="1050" b="1" i="1" dirty="0">
+              <a:solidFill>
+                <a:schemeClr val="tx1"/>
+              </a:solidFill>
+            </a:endParaRPr>
           </a:p>
           <a:p>
             <a:pPr fontAlgn="ctr"/>
@@ -13216,8 +12047,8 @@
         </p:blipFill>
         <p:spPr>
           <a:xfrm>
-            <a:off x="2349123" y="3855521"/>
-            <a:ext cx="1890930" cy="363456"/>
+            <a:off x="2361155" y="3827705"/>
+            <a:ext cx="2004346" cy="385256"/>
           </a:xfrm>
           <a:prstGeom prst="rect">
             <a:avLst/>
@@ -13266,14 +12097,11 @@
           <a:lstStyle/>
           <a:p>
             <a:pPr fontAlgn="ctr"/>
-            <a:r>
-              <a:rPr lang="en-US" sz="1050" b="1" i="1" dirty="0">
-                <a:solidFill>
-                  <a:schemeClr val="tx1"/>
-                </a:solidFill>
-              </a:rPr>
-              <a:t>TXW</a:t>
-            </a:r>
+            <a:endParaRPr lang="en-US" sz="1050" b="1" i="1" dirty="0">
+              <a:solidFill>
+                <a:schemeClr val="tx1"/>
+              </a:solidFill>
+            </a:endParaRPr>
           </a:p>
           <a:p>
             <a:pPr fontAlgn="ctr"/>
@@ -13338,14 +12166,11 @@
           <a:lstStyle/>
           <a:p>
             <a:pPr fontAlgn="ctr"/>
-            <a:r>
-              <a:rPr lang="en-US" sz="1050" b="1" i="1" dirty="0">
-                <a:solidFill>
-                  <a:schemeClr val="tx1"/>
-                </a:solidFill>
-              </a:rPr>
-              <a:t>TNC</a:t>
-            </a:r>
+            <a:endParaRPr lang="en-US" sz="1050" b="1" i="1" dirty="0">
+              <a:solidFill>
+                <a:schemeClr val="tx1"/>
+              </a:solidFill>
+            </a:endParaRPr>
           </a:p>
           <a:p>
             <a:pPr fontAlgn="ctr"/>
@@ -13410,14 +12235,11 @@
           <a:lstStyle/>
           <a:p>
             <a:pPr fontAlgn="ctr"/>
-            <a:r>
-              <a:rPr lang="en-US" sz="1050" b="1" i="1" dirty="0">
-                <a:solidFill>
-                  <a:schemeClr val="tx1"/>
-                </a:solidFill>
-              </a:rPr>
-              <a:t>TFW</a:t>
-            </a:r>
+            <a:endParaRPr lang="en-US" sz="1050" b="1" i="1" dirty="0">
+              <a:solidFill>
+                <a:schemeClr val="tx1"/>
+              </a:solidFill>
+            </a:endParaRPr>
           </a:p>
           <a:p>
             <a:pPr fontAlgn="ctr"/>
@@ -13440,682 +12262,6 @@
           </a:p>
         </p:txBody>
       </p:sp>
-      <p:grpSp>
-        <p:nvGrpSpPr>
-          <p:cNvPr id="57" name="Group 56">
-            <a:extLst>
-              <a:ext uri="{FF2B5EF4-FFF2-40B4-BE49-F238E27FC236}">
-                <a16:creationId xmlns:a16="http://schemas.microsoft.com/office/drawing/2014/main" id="{4848F127-8B1B-3B42-B4AC-5D01FBE248CF}"/>
-              </a:ext>
-            </a:extLst>
-          </p:cNvPr>
-          <p:cNvGrpSpPr/>
-          <p:nvPr/>
-        </p:nvGrpSpPr>
-        <p:grpSpPr>
-          <a:xfrm>
-            <a:off x="2767423" y="3566766"/>
-            <a:ext cx="1828800" cy="1731909"/>
-            <a:chOff x="2767423" y="3566766"/>
-            <a:chExt cx="1828800" cy="1731909"/>
-          </a:xfrm>
-        </p:grpSpPr>
-        <p:sp>
-          <p:nvSpPr>
-            <p:cNvPr id="7" name="Freeform 6">
-              <a:extLst>
-                <a:ext uri="{FF2B5EF4-FFF2-40B4-BE49-F238E27FC236}">
-                  <a16:creationId xmlns:a16="http://schemas.microsoft.com/office/drawing/2014/main" id="{077FBF5C-034F-324B-A311-191344373C27}"/>
-                </a:ext>
-              </a:extLst>
-            </p:cNvPr>
-            <p:cNvSpPr/>
-            <p:nvPr/>
-          </p:nvSpPr>
-          <p:spPr>
-            <a:xfrm>
-              <a:off x="3784366" y="3833207"/>
-              <a:ext cx="773395" cy="737486"/>
-            </a:xfrm>
-            <a:custGeom>
-              <a:avLst/>
-              <a:gdLst>
-                <a:gd name="connsiteX0" fmla="*/ 188127 w 773395"/>
-                <a:gd name="connsiteY0" fmla="*/ 623736 h 737486"/>
-                <a:gd name="connsiteX1" fmla="*/ 484853 w 773395"/>
-                <a:gd name="connsiteY1" fmla="*/ 726682 h 737486"/>
-                <a:gd name="connsiteX2" fmla="*/ 763411 w 773395"/>
-                <a:gd name="connsiteY2" fmla="*/ 678237 h 737486"/>
-                <a:gd name="connsiteX3" fmla="*/ 666521 w 773395"/>
-                <a:gd name="connsiteY3" fmla="*/ 230120 h 737486"/>
-                <a:gd name="connsiteX4" fmla="*/ 242627 w 773395"/>
-                <a:gd name="connsiteY4" fmla="*/ 6 h 737486"/>
-                <a:gd name="connsiteX5" fmla="*/ 402 w 773395"/>
-                <a:gd name="connsiteY5" fmla="*/ 224065 h 737486"/>
-                <a:gd name="connsiteX6" fmla="*/ 188127 w 773395"/>
-                <a:gd name="connsiteY6" fmla="*/ 623736 h 737486"/>
-              </a:gdLst>
-              <a:ahLst/>
-              <a:cxnLst>
-                <a:cxn ang="0">
-                  <a:pos x="connsiteX0" y="connsiteY0"/>
-                </a:cxn>
-                <a:cxn ang="0">
-                  <a:pos x="connsiteX1" y="connsiteY1"/>
-                </a:cxn>
-                <a:cxn ang="0">
-                  <a:pos x="connsiteX2" y="connsiteY2"/>
-                </a:cxn>
-                <a:cxn ang="0">
-                  <a:pos x="connsiteX3" y="connsiteY3"/>
-                </a:cxn>
-                <a:cxn ang="0">
-                  <a:pos x="connsiteX4" y="connsiteY4"/>
-                </a:cxn>
-                <a:cxn ang="0">
-                  <a:pos x="connsiteX5" y="connsiteY5"/>
-                </a:cxn>
-                <a:cxn ang="0">
-                  <a:pos x="connsiteX6" y="connsiteY6"/>
-                </a:cxn>
-              </a:cxnLst>
-              <a:rect l="l" t="t" r="r" b="b"/>
-              <a:pathLst>
-                <a:path w="773395" h="737486">
-                  <a:moveTo>
-                    <a:pt x="188127" y="623736"/>
-                  </a:moveTo>
-                  <a:cubicBezTo>
-                    <a:pt x="268869" y="707505"/>
-                    <a:pt x="388972" y="717599"/>
-                    <a:pt x="484853" y="726682"/>
-                  </a:cubicBezTo>
-                  <a:cubicBezTo>
-                    <a:pt x="580734" y="735765"/>
-                    <a:pt x="733133" y="760997"/>
-                    <a:pt x="763411" y="678237"/>
-                  </a:cubicBezTo>
-                  <a:cubicBezTo>
-                    <a:pt x="793689" y="595477"/>
-                    <a:pt x="753318" y="343158"/>
-                    <a:pt x="666521" y="230120"/>
-                  </a:cubicBezTo>
-                  <a:cubicBezTo>
-                    <a:pt x="579724" y="117082"/>
-                    <a:pt x="353647" y="1015"/>
-                    <a:pt x="242627" y="6"/>
-                  </a:cubicBezTo>
-                  <a:cubicBezTo>
-                    <a:pt x="131607" y="-1003"/>
-                    <a:pt x="8476" y="118092"/>
-                    <a:pt x="402" y="224065"/>
-                  </a:cubicBezTo>
-                  <a:cubicBezTo>
-                    <a:pt x="-7672" y="330038"/>
-                    <a:pt x="107385" y="539967"/>
-                    <a:pt x="188127" y="623736"/>
-                  </a:cubicBezTo>
-                  <a:close/>
-                </a:path>
-              </a:pathLst>
-            </a:custGeom>
-            <a:noFill/>
-            <a:ln w="50800">
-              <a:solidFill>
-                <a:srgbClr val="00B050"/>
-              </a:solidFill>
-            </a:ln>
-          </p:spPr>
-          <p:style>
-            <a:lnRef idx="2">
-              <a:schemeClr val="accent1">
-                <a:shade val="50000"/>
-              </a:schemeClr>
-            </a:lnRef>
-            <a:fillRef idx="1">
-              <a:schemeClr val="accent1"/>
-            </a:fillRef>
-            <a:effectRef idx="0">
-              <a:schemeClr val="accent1"/>
-            </a:effectRef>
-            <a:fontRef idx="minor">
-              <a:schemeClr val="lt1"/>
-            </a:fontRef>
-          </p:style>
-          <p:txBody>
-            <a:bodyPr rtlCol="0" anchor="ctr"/>
-            <a:lstStyle/>
-            <a:p>
-              <a:pPr algn="ctr"/>
-              <a:endParaRPr lang="en-US" dirty="0"/>
-            </a:p>
-          </p:txBody>
-        </p:sp>
-        <p:sp>
-          <p:nvSpPr>
-            <p:cNvPr id="9" name="Freeform 8">
-              <a:extLst>
-                <a:ext uri="{FF2B5EF4-FFF2-40B4-BE49-F238E27FC236}">
-                  <a16:creationId xmlns:a16="http://schemas.microsoft.com/office/drawing/2014/main" id="{5A62B549-3B5D-454A-A8CE-E6A786053130}"/>
-                </a:ext>
-              </a:extLst>
-            </p:cNvPr>
-            <p:cNvSpPr/>
-            <p:nvPr/>
-          </p:nvSpPr>
-          <p:spPr>
-            <a:xfrm>
-              <a:off x="4299497" y="3566766"/>
-              <a:ext cx="296726" cy="351226"/>
-            </a:xfrm>
-            <a:custGeom>
-              <a:avLst/>
-              <a:gdLst>
-                <a:gd name="connsiteX0" fmla="*/ 0 w 296726"/>
-                <a:gd name="connsiteY0" fmla="*/ 351226 h 351226"/>
-                <a:gd name="connsiteX1" fmla="*/ 296726 w 296726"/>
-                <a:gd name="connsiteY1" fmla="*/ 0 h 351226"/>
-              </a:gdLst>
-              <a:ahLst/>
-              <a:cxnLst>
-                <a:cxn ang="0">
-                  <a:pos x="connsiteX0" y="connsiteY0"/>
-                </a:cxn>
-                <a:cxn ang="0">
-                  <a:pos x="connsiteX1" y="connsiteY1"/>
-                </a:cxn>
-              </a:cxnLst>
-              <a:rect l="l" t="t" r="r" b="b"/>
-              <a:pathLst>
-                <a:path w="296726" h="351226">
-                  <a:moveTo>
-                    <a:pt x="0" y="351226"/>
-                  </a:moveTo>
-                  <a:lnTo>
-                    <a:pt x="296726" y="0"/>
-                  </a:lnTo>
-                </a:path>
-              </a:pathLst>
-            </a:custGeom>
-            <a:noFill/>
-            <a:ln w="50800">
-              <a:solidFill>
-                <a:srgbClr val="00B050"/>
-              </a:solidFill>
-            </a:ln>
-          </p:spPr>
-          <p:style>
-            <a:lnRef idx="2">
-              <a:schemeClr val="accent1">
-                <a:shade val="50000"/>
-              </a:schemeClr>
-            </a:lnRef>
-            <a:fillRef idx="1">
-              <a:schemeClr val="accent1"/>
-            </a:fillRef>
-            <a:effectRef idx="0">
-              <a:schemeClr val="accent1"/>
-            </a:effectRef>
-            <a:fontRef idx="minor">
-              <a:schemeClr val="lt1"/>
-            </a:fontRef>
-          </p:style>
-          <p:txBody>
-            <a:bodyPr rtlCol="0" anchor="ctr"/>
-            <a:lstStyle/>
-            <a:p>
-              <a:pPr algn="ctr"/>
-              <a:endParaRPr lang="en-US"/>
-            </a:p>
-          </p:txBody>
-        </p:sp>
-        <p:sp>
-          <p:nvSpPr>
-            <p:cNvPr id="12" name="Freeform 11">
-              <a:extLst>
-                <a:ext uri="{FF2B5EF4-FFF2-40B4-BE49-F238E27FC236}">
-                  <a16:creationId xmlns:a16="http://schemas.microsoft.com/office/drawing/2014/main" id="{A95A15BE-D020-D345-8CFB-426CF45E0EA9}"/>
-                </a:ext>
-              </a:extLst>
-            </p:cNvPr>
-            <p:cNvSpPr/>
-            <p:nvPr/>
-          </p:nvSpPr>
-          <p:spPr>
-            <a:xfrm>
-              <a:off x="3300318" y="4572000"/>
-              <a:ext cx="1138458" cy="601844"/>
-            </a:xfrm>
-            <a:custGeom>
-              <a:avLst/>
-              <a:gdLst>
-                <a:gd name="connsiteX0" fmla="*/ 1138458 w 1138458"/>
-                <a:gd name="connsiteY0" fmla="*/ 0 h 601844"/>
-                <a:gd name="connsiteX1" fmla="*/ 1023401 w 1138458"/>
-                <a:gd name="connsiteY1" fmla="*/ 442061 h 601844"/>
-                <a:gd name="connsiteX2" fmla="*/ 629785 w 1138458"/>
-                <a:gd name="connsiteY2" fmla="*/ 599507 h 601844"/>
-                <a:gd name="connsiteX3" fmla="*/ 381505 w 1138458"/>
-                <a:gd name="connsiteY3" fmla="*/ 538951 h 601844"/>
-                <a:gd name="connsiteX4" fmla="*/ 0 w 1138458"/>
-                <a:gd name="connsiteY4" fmla="*/ 575285 h 601844"/>
-              </a:gdLst>
-              <a:ahLst/>
-              <a:cxnLst>
-                <a:cxn ang="0">
-                  <a:pos x="connsiteX0" y="connsiteY0"/>
-                </a:cxn>
-                <a:cxn ang="0">
-                  <a:pos x="connsiteX1" y="connsiteY1"/>
-                </a:cxn>
-                <a:cxn ang="0">
-                  <a:pos x="connsiteX2" y="connsiteY2"/>
-                </a:cxn>
-                <a:cxn ang="0">
-                  <a:pos x="connsiteX3" y="connsiteY3"/>
-                </a:cxn>
-                <a:cxn ang="0">
-                  <a:pos x="connsiteX4" y="connsiteY4"/>
-                </a:cxn>
-              </a:cxnLst>
-              <a:rect l="l" t="t" r="r" b="b"/>
-              <a:pathLst>
-                <a:path w="1138458" h="601844">
-                  <a:moveTo>
-                    <a:pt x="1138458" y="0"/>
-                  </a:moveTo>
-                  <a:cubicBezTo>
-                    <a:pt x="1123319" y="171071"/>
-                    <a:pt x="1108180" y="342143"/>
-                    <a:pt x="1023401" y="442061"/>
-                  </a:cubicBezTo>
-                  <a:cubicBezTo>
-                    <a:pt x="938622" y="541979"/>
-                    <a:pt x="736768" y="583359"/>
-                    <a:pt x="629785" y="599507"/>
-                  </a:cubicBezTo>
-                  <a:cubicBezTo>
-                    <a:pt x="522802" y="615655"/>
-                    <a:pt x="486469" y="542988"/>
-                    <a:pt x="381505" y="538951"/>
-                  </a:cubicBezTo>
-                  <a:cubicBezTo>
-                    <a:pt x="276541" y="534914"/>
-                    <a:pt x="138270" y="555099"/>
-                    <a:pt x="0" y="575285"/>
-                  </a:cubicBezTo>
-                </a:path>
-              </a:pathLst>
-            </a:custGeom>
-            <a:noFill/>
-            <a:ln w="50800">
-              <a:solidFill>
-                <a:srgbClr val="00B050"/>
-              </a:solidFill>
-            </a:ln>
-          </p:spPr>
-          <p:style>
-            <a:lnRef idx="2">
-              <a:schemeClr val="accent1">
-                <a:shade val="50000"/>
-              </a:schemeClr>
-            </a:lnRef>
-            <a:fillRef idx="1">
-              <a:schemeClr val="accent1"/>
-            </a:fillRef>
-            <a:effectRef idx="0">
-              <a:schemeClr val="accent1"/>
-            </a:effectRef>
-            <a:fontRef idx="minor">
-              <a:schemeClr val="lt1"/>
-            </a:fontRef>
-          </p:style>
-          <p:txBody>
-            <a:bodyPr rtlCol="0" anchor="ctr"/>
-            <a:lstStyle/>
-            <a:p>
-              <a:pPr algn="ctr"/>
-              <a:endParaRPr lang="en-US"/>
-            </a:p>
-          </p:txBody>
-        </p:sp>
-        <p:sp>
-          <p:nvSpPr>
-            <p:cNvPr id="14" name="Freeform 13">
-              <a:extLst>
-                <a:ext uri="{FF2B5EF4-FFF2-40B4-BE49-F238E27FC236}">
-                  <a16:creationId xmlns:a16="http://schemas.microsoft.com/office/drawing/2014/main" id="{A63AF089-A7F7-8747-B4AC-FE86921F5F0E}"/>
-                </a:ext>
-              </a:extLst>
-            </p:cNvPr>
-            <p:cNvSpPr/>
-            <p:nvPr/>
-          </p:nvSpPr>
-          <p:spPr>
-            <a:xfrm>
-              <a:off x="4154162" y="5123062"/>
-              <a:ext cx="133223" cy="175613"/>
-            </a:xfrm>
-            <a:custGeom>
-              <a:avLst/>
-              <a:gdLst>
-                <a:gd name="connsiteX0" fmla="*/ 0 w 133223"/>
-                <a:gd name="connsiteY0" fmla="*/ 0 h 175613"/>
-                <a:gd name="connsiteX1" fmla="*/ 133223 w 133223"/>
-                <a:gd name="connsiteY1" fmla="*/ 175613 h 175613"/>
-              </a:gdLst>
-              <a:ahLst/>
-              <a:cxnLst>
-                <a:cxn ang="0">
-                  <a:pos x="connsiteX0" y="connsiteY0"/>
-                </a:cxn>
-                <a:cxn ang="0">
-                  <a:pos x="connsiteX1" y="connsiteY1"/>
-                </a:cxn>
-              </a:cxnLst>
-              <a:rect l="l" t="t" r="r" b="b"/>
-              <a:pathLst>
-                <a:path w="133223" h="175613">
-                  <a:moveTo>
-                    <a:pt x="0" y="0"/>
-                  </a:moveTo>
-                  <a:lnTo>
-                    <a:pt x="133223" y="175613"/>
-                  </a:lnTo>
-                </a:path>
-              </a:pathLst>
-            </a:custGeom>
-            <a:noFill/>
-            <a:ln w="50800">
-              <a:solidFill>
-                <a:srgbClr val="00B050"/>
-              </a:solidFill>
-            </a:ln>
-          </p:spPr>
-          <p:style>
-            <a:lnRef idx="2">
-              <a:schemeClr val="accent1">
-                <a:shade val="50000"/>
-              </a:schemeClr>
-            </a:lnRef>
-            <a:fillRef idx="1">
-              <a:schemeClr val="accent1"/>
-            </a:fillRef>
-            <a:effectRef idx="0">
-              <a:schemeClr val="accent1"/>
-            </a:effectRef>
-            <a:fontRef idx="minor">
-              <a:schemeClr val="lt1"/>
-            </a:fontRef>
-          </p:style>
-          <p:txBody>
-            <a:bodyPr rtlCol="0" anchor="ctr"/>
-            <a:lstStyle/>
-            <a:p>
-              <a:pPr algn="ctr"/>
-              <a:endParaRPr lang="en-US"/>
-            </a:p>
-          </p:txBody>
-        </p:sp>
-        <p:sp>
-          <p:nvSpPr>
-            <p:cNvPr id="15" name="Freeform 14">
-              <a:extLst>
-                <a:ext uri="{FF2B5EF4-FFF2-40B4-BE49-F238E27FC236}">
-                  <a16:creationId xmlns:a16="http://schemas.microsoft.com/office/drawing/2014/main" id="{B06283C3-D696-B143-A46C-FF641A5EC92A}"/>
-                </a:ext>
-              </a:extLst>
-            </p:cNvPr>
-            <p:cNvSpPr/>
-            <p:nvPr/>
-          </p:nvSpPr>
-          <p:spPr>
-            <a:xfrm>
-              <a:off x="3605161" y="4347942"/>
-              <a:ext cx="276497" cy="756953"/>
-            </a:xfrm>
-            <a:custGeom>
-              <a:avLst/>
-              <a:gdLst>
-                <a:gd name="connsiteX0" fmla="*/ 276497 w 276497"/>
-                <a:gd name="connsiteY0" fmla="*/ 0 h 756953"/>
-                <a:gd name="connsiteX1" fmla="*/ 28216 w 276497"/>
-                <a:gd name="connsiteY1" fmla="*/ 472339 h 756953"/>
-                <a:gd name="connsiteX2" fmla="*/ 16105 w 276497"/>
-                <a:gd name="connsiteY2" fmla="*/ 756953 h 756953"/>
-              </a:gdLst>
-              <a:ahLst/>
-              <a:cxnLst>
-                <a:cxn ang="0">
-                  <a:pos x="connsiteX0" y="connsiteY0"/>
-                </a:cxn>
-                <a:cxn ang="0">
-                  <a:pos x="connsiteX1" y="connsiteY1"/>
-                </a:cxn>
-                <a:cxn ang="0">
-                  <a:pos x="connsiteX2" y="connsiteY2"/>
-                </a:cxn>
-              </a:cxnLst>
-              <a:rect l="l" t="t" r="r" b="b"/>
-              <a:pathLst>
-                <a:path w="276497" h="756953">
-                  <a:moveTo>
-                    <a:pt x="276497" y="0"/>
-                  </a:moveTo>
-                  <a:cubicBezTo>
-                    <a:pt x="174056" y="173090"/>
-                    <a:pt x="71615" y="346180"/>
-                    <a:pt x="28216" y="472339"/>
-                  </a:cubicBezTo>
-                  <a:cubicBezTo>
-                    <a:pt x="-15183" y="598498"/>
-                    <a:pt x="461" y="677725"/>
-                    <a:pt x="16105" y="756953"/>
-                  </a:cubicBezTo>
-                </a:path>
-              </a:pathLst>
-            </a:custGeom>
-            <a:noFill/>
-            <a:ln w="50800">
-              <a:solidFill>
-                <a:srgbClr val="00B050"/>
-              </a:solidFill>
-            </a:ln>
-          </p:spPr>
-          <p:style>
-            <a:lnRef idx="2">
-              <a:schemeClr val="accent1">
-                <a:shade val="50000"/>
-              </a:schemeClr>
-            </a:lnRef>
-            <a:fillRef idx="1">
-              <a:schemeClr val="accent1"/>
-            </a:fillRef>
-            <a:effectRef idx="0">
-              <a:schemeClr val="accent1"/>
-            </a:effectRef>
-            <a:fontRef idx="minor">
-              <a:schemeClr val="lt1"/>
-            </a:fontRef>
-          </p:style>
-          <p:txBody>
-            <a:bodyPr rtlCol="0" anchor="ctr"/>
-            <a:lstStyle/>
-            <a:p>
-              <a:pPr algn="ctr"/>
-              <a:endParaRPr lang="en-US"/>
-            </a:p>
-          </p:txBody>
-        </p:sp>
-        <p:sp>
-          <p:nvSpPr>
-            <p:cNvPr id="27" name="Freeform 26">
-              <a:extLst>
-                <a:ext uri="{FF2B5EF4-FFF2-40B4-BE49-F238E27FC236}">
-                  <a16:creationId xmlns:a16="http://schemas.microsoft.com/office/drawing/2014/main" id="{E4ADBE62-5281-3542-806C-647CE75D46E7}"/>
-                </a:ext>
-              </a:extLst>
-            </p:cNvPr>
-            <p:cNvSpPr/>
-            <p:nvPr/>
-          </p:nvSpPr>
-          <p:spPr>
-            <a:xfrm>
-              <a:off x="2767423" y="3603099"/>
-              <a:ext cx="1017345" cy="375449"/>
-            </a:xfrm>
-            <a:custGeom>
-              <a:avLst/>
-              <a:gdLst>
-                <a:gd name="connsiteX0" fmla="*/ 1017345 w 1017345"/>
-                <a:gd name="connsiteY0" fmla="*/ 375449 h 375449"/>
-                <a:gd name="connsiteX1" fmla="*/ 302781 w 1017345"/>
-                <a:gd name="connsiteY1" fmla="*/ 157447 h 375449"/>
-                <a:gd name="connsiteX2" fmla="*/ 0 w 1017345"/>
-                <a:gd name="connsiteY2" fmla="*/ 0 h 375449"/>
-              </a:gdLst>
-              <a:ahLst/>
-              <a:cxnLst>
-                <a:cxn ang="0">
-                  <a:pos x="connsiteX0" y="connsiteY0"/>
-                </a:cxn>
-                <a:cxn ang="0">
-                  <a:pos x="connsiteX1" y="connsiteY1"/>
-                </a:cxn>
-                <a:cxn ang="0">
-                  <a:pos x="connsiteX2" y="connsiteY2"/>
-                </a:cxn>
-              </a:cxnLst>
-              <a:rect l="l" t="t" r="r" b="b"/>
-              <a:pathLst>
-                <a:path w="1017345" h="375449">
-                  <a:moveTo>
-                    <a:pt x="1017345" y="375449"/>
-                  </a:moveTo>
-                  <a:cubicBezTo>
-                    <a:pt x="744841" y="297735"/>
-                    <a:pt x="472338" y="220022"/>
-                    <a:pt x="302781" y="157447"/>
-                  </a:cubicBezTo>
-                  <a:cubicBezTo>
-                    <a:pt x="133224" y="94872"/>
-                    <a:pt x="50463" y="26241"/>
-                    <a:pt x="0" y="0"/>
-                  </a:cubicBezTo>
-                </a:path>
-              </a:pathLst>
-            </a:custGeom>
-            <a:noFill/>
-            <a:ln w="50800">
-              <a:solidFill>
-                <a:srgbClr val="00B050"/>
-              </a:solidFill>
-            </a:ln>
-          </p:spPr>
-          <p:style>
-            <a:lnRef idx="2">
-              <a:schemeClr val="accent1">
-                <a:shade val="50000"/>
-              </a:schemeClr>
-            </a:lnRef>
-            <a:fillRef idx="1">
-              <a:schemeClr val="accent1"/>
-            </a:fillRef>
-            <a:effectRef idx="0">
-              <a:schemeClr val="accent1"/>
-            </a:effectRef>
-            <a:fontRef idx="minor">
-              <a:schemeClr val="lt1"/>
-            </a:fontRef>
-          </p:style>
-          <p:txBody>
-            <a:bodyPr rtlCol="0" anchor="ctr"/>
-            <a:lstStyle/>
-            <a:p>
-              <a:pPr algn="ctr"/>
-              <a:endParaRPr lang="en-US"/>
-            </a:p>
-          </p:txBody>
-        </p:sp>
-        <p:sp>
-          <p:nvSpPr>
-            <p:cNvPr id="28" name="Freeform 27">
-              <a:extLst>
-                <a:ext uri="{FF2B5EF4-FFF2-40B4-BE49-F238E27FC236}">
-                  <a16:creationId xmlns:a16="http://schemas.microsoft.com/office/drawing/2014/main" id="{833DDBA3-F6EE-5A4C-8C81-D5C899E6FA8A}"/>
-                </a:ext>
-              </a:extLst>
-            </p:cNvPr>
-            <p:cNvSpPr/>
-            <p:nvPr/>
-          </p:nvSpPr>
-          <p:spPr>
-            <a:xfrm>
-              <a:off x="2973314" y="3821102"/>
-              <a:ext cx="254336" cy="878066"/>
-            </a:xfrm>
-            <a:custGeom>
-              <a:avLst/>
-              <a:gdLst>
-                <a:gd name="connsiteX0" fmla="*/ 254336 w 254336"/>
-                <a:gd name="connsiteY0" fmla="*/ 0 h 878066"/>
-                <a:gd name="connsiteX1" fmla="*/ 0 w 254336"/>
-                <a:gd name="connsiteY1" fmla="*/ 878066 h 878066"/>
-              </a:gdLst>
-              <a:ahLst/>
-              <a:cxnLst>
-                <a:cxn ang="0">
-                  <a:pos x="connsiteX0" y="connsiteY0"/>
-                </a:cxn>
-                <a:cxn ang="0">
-                  <a:pos x="connsiteX1" y="connsiteY1"/>
-                </a:cxn>
-              </a:cxnLst>
-              <a:rect l="l" t="t" r="r" b="b"/>
-              <a:pathLst>
-                <a:path w="254336" h="878066">
-                  <a:moveTo>
-                    <a:pt x="254336" y="0"/>
-                  </a:moveTo>
-                  <a:lnTo>
-                    <a:pt x="0" y="878066"/>
-                  </a:lnTo>
-                </a:path>
-              </a:pathLst>
-            </a:custGeom>
-            <a:noFill/>
-            <a:ln w="50800">
-              <a:solidFill>
-                <a:srgbClr val="00B050"/>
-              </a:solidFill>
-            </a:ln>
-          </p:spPr>
-          <p:style>
-            <a:lnRef idx="2">
-              <a:schemeClr val="accent1">
-                <a:shade val="50000"/>
-              </a:schemeClr>
-            </a:lnRef>
-            <a:fillRef idx="1">
-              <a:schemeClr val="accent1"/>
-            </a:fillRef>
-            <a:effectRef idx="0">
-              <a:schemeClr val="accent1"/>
-            </a:effectRef>
-            <a:fontRef idx="minor">
-              <a:schemeClr val="lt1"/>
-            </a:fontRef>
-          </p:style>
-          <p:txBody>
-            <a:bodyPr rtlCol="0" anchor="ctr"/>
-            <a:lstStyle/>
-            <a:p>
-              <a:pPr algn="ctr"/>
-              <a:endParaRPr lang="en-US"/>
-            </a:p>
-          </p:txBody>
-        </p:sp>
-      </p:grpSp>
       <p:sp>
         <p:nvSpPr>
           <p:cNvPr id="37" name="Oval 36">
@@ -14158,18 +12304,7 @@
           <a:lstStyle/>
           <a:p>
             <a:pPr fontAlgn="ctr"/>
-            <a:r>
-              <a:rPr lang="en-US" sz="1050" b="1" i="1">
-                <a:solidFill>
-                  <a:schemeClr val="tx1"/>
-                </a:solidFill>
-              </a:rPr>
-              <a:t>TSC</a:t>
-            </a:r>
-          </a:p>
-          <a:p>
-            <a:pPr fontAlgn="ctr"/>
-            <a:endParaRPr lang="en-US" sz="1050">
+            <a:endParaRPr lang="en-US" sz="1050" b="1" i="1" dirty="0">
               <a:solidFill>
                 <a:schemeClr val="tx1"/>
               </a:solidFill>
@@ -14177,19 +12312,22 @@
           </a:p>
           <a:p>
             <a:pPr fontAlgn="ctr"/>
-            <a:r>
-              <a:rPr lang="en-US" sz="1050">
+            <a:endParaRPr lang="en-US" sz="1050" dirty="0">
+              <a:solidFill>
+                <a:schemeClr val="tx1"/>
+              </a:solidFill>
+            </a:endParaRPr>
+          </a:p>
+          <a:p>
+            <a:pPr fontAlgn="ctr"/>
+            <a:r>
+              <a:rPr lang="en-US" sz="1050" dirty="0">
                 <a:solidFill>
                   <a:schemeClr val="tx1"/>
                 </a:solidFill>
               </a:rPr>
               <a:t>AUS</a:t>
             </a:r>
-            <a:endParaRPr lang="en-US" sz="1050" dirty="0">
-              <a:solidFill>
-                <a:schemeClr val="tx1"/>
-              </a:solidFill>
-            </a:endParaRPr>
           </a:p>
         </p:txBody>
       </p:sp>
@@ -14395,14 +12533,11 @@
           <a:lstStyle/>
           <a:p>
             <a:pPr fontAlgn="ctr"/>
-            <a:r>
-              <a:rPr lang="en-US" sz="1050" b="1" i="1" dirty="0">
-                <a:solidFill>
-                  <a:schemeClr val="tx1"/>
-                </a:solidFill>
-              </a:rPr>
-              <a:t>TXS</a:t>
-            </a:r>
+            <a:endParaRPr lang="en-US" sz="1050" b="1" i="1" dirty="0">
+              <a:solidFill>
+                <a:schemeClr val="tx1"/>
+              </a:solidFill>
+            </a:endParaRPr>
           </a:p>
           <a:p>
             <a:pPr fontAlgn="ctr"/>
